--- a/docs/Smart Office – Find My Colleges.pptx
+++ b/docs/Smart Office – Find My Colleges.pptx
@@ -113,6 +113,36 @@
       </a:defRPr>
     </a:lvl9pPr>
   </p:defaultTextStyle>
+  <p:extLst>
+    <p:ext uri="{EFAFB233-063F-42B5-8137-9DF3F51BA10A}">
+      <p15:sldGuideLst xmlns:p15="http://schemas.microsoft.com/office/powerpoint/2012/main">
+        <p15:guide id="1" orient="horz" pos="2160">
+          <p15:clr>
+            <a:srgbClr val="A4A3A4"/>
+          </p15:clr>
+        </p15:guide>
+        <p15:guide id="2" pos="2880">
+          <p15:clr>
+            <a:srgbClr val="A4A3A4"/>
+          </p15:clr>
+        </p15:guide>
+      </p15:sldGuideLst>
+    </p:ext>
+    <p:ext uri="{2D200454-40CA-4A62-9FC3-DE9A4176ACB9}">
+      <p15:notesGuideLst xmlns:p15="http://schemas.microsoft.com/office/powerpoint/2012/main">
+        <p15:guide id="1" orient="horz" pos="2880">
+          <p15:clr>
+            <a:srgbClr val="A4A3A4"/>
+          </p15:clr>
+        </p15:guide>
+        <p15:guide id="2" pos="2160">
+          <p15:clr>
+            <a:srgbClr val="A4A3A4"/>
+          </p15:clr>
+        </p15:guide>
+      </p15:notesGuideLst>
+    </p:ext>
+  </p:extLst>
 </p:presentation>
 </file>
 
@@ -199,7 +229,7 @@
             <a:fld id="{60FA3F3C-F71B-43A3-A083-D89CD1561240}" type="datetimeFigureOut">
               <a:rPr lang="de-DE" smtClean="0"/>
               <a:pPr/>
-              <a:t>04.03.2016</a:t>
+              <a:t>11.03.2016</a:t>
             </a:fld>
             <a:endParaRPr lang="de-DE"/>
           </a:p>
@@ -599,6 +629,11 @@
         </p:txBody>
       </p:sp>
     </p:spTree>
+    <p:extLst>
+      <p:ext uri="{BB962C8B-B14F-4D97-AF65-F5344CB8AC3E}">
+        <p14:creationId xmlns:p14="http://schemas.microsoft.com/office/powerpoint/2010/main" val="2192764456"/>
+      </p:ext>
+    </p:extLst>
   </p:cSld>
   <p:clrMapOvr>
     <a:masterClrMapping/>
@@ -5464,15 +5499,7 @@
             </a:r>
             <a:r>
               <a:rPr lang="de-DE" dirty="0" smtClean="0"/>
-              <a:t> </a:t>
-            </a:r>
-            <a:r>
-              <a:rPr lang="de-DE" dirty="0" smtClean="0"/>
-              <a:t>Colleges</a:t>
-            </a:r>
-            <a:r>
-              <a:rPr lang="de-DE" dirty="0" smtClean="0"/>
-              <a:t> </a:t>
+              <a:t> Colleges </a:t>
             </a:r>
             <a:endParaRPr lang="de-DE" dirty="0"/>
           </a:p>
@@ -5651,7 +5678,7 @@
         <p:spPr>
           <a:xfrm>
             <a:off x="395536" y="3429000"/>
-            <a:ext cx="6120680" cy="2031325"/>
+            <a:ext cx="6120680" cy="1754326"/>
           </a:xfrm>
           <a:prstGeom prst="rect">
             <a:avLst/>
@@ -5666,19 +5693,23 @@
           <a:p>
             <a:r>
               <a:rPr lang="en-US" dirty="0"/>
-              <a:t>Meet Jack the Consultant. He is hard working but usually he is a little bit late in the office.</a:t>
-            </a:r>
-          </a:p>
-          <a:p>
+              <a:t>Meet Jack the Consultant. He is hard working but usually he is a little bit late in the </a:t>
+            </a:r>
+            <a:r>
+              <a:rPr lang="en-US" dirty="0" smtClean="0"/>
+              <a:t>office. Of </a:t>
+            </a:r>
             <a:r>
               <a:rPr lang="en-US" dirty="0"/>
-              <a:t>Of course all desks are occupied. He always spends a lot of time finding a desk and wastes his precious time.</a:t>
-            </a:r>
-          </a:p>
-          <a:p>
+              <a:t>course all desks are occupied. He always spends a lot of time finding a desk and wastes his precious </a:t>
+            </a:r>
+            <a:r>
+              <a:rPr lang="en-US" dirty="0" smtClean="0"/>
+              <a:t>time. That </a:t>
+            </a:r>
             <a:r>
               <a:rPr lang="en-US" dirty="0"/>
-              <a:t>That puts him in a bad mood. He never knows where is team members are located and only interacts with them over chat.</a:t>
+              <a:t>puts him in a bad mood. He never knows where is team members are located and only interacts with them over chat.</a:t>
             </a:r>
             <a:endParaRPr lang="de-DE" dirty="0" smtClean="0"/>
           </a:p>
@@ -5808,7 +5839,7 @@
         </p:nvSpPr>
         <p:spPr>
           <a:xfrm>
-            <a:off x="755576" y="2780928"/>
+            <a:off x="1655676" y="2845075"/>
             <a:ext cx="5832648" cy="523220"/>
           </a:xfrm>
           <a:prstGeom prst="rect">
@@ -5822,8 +5853,12 @@
           </a:bodyPr>
           <a:lstStyle/>
           <a:p>
+            <a:pPr algn="ctr"/>
             <a:r>
               <a:rPr lang="de-DE" sz="2800" dirty="0" smtClean="0">
+                <a:solidFill>
+                  <a:srgbClr val="003300"/>
+                </a:solidFill>
                 <a:effectLst>
                   <a:outerShdw blurRad="38100" dist="38100" dir="2700000" algn="tl">
                     <a:srgbClr val="000000">
@@ -5836,6 +5871,12 @@
             </a:r>
             <a:r>
               <a:rPr lang="de-DE" sz="2800" b="1" dirty="0" smtClean="0">
+                <a:solidFill>
+                  <a:schemeClr val="accent2">
+                    <a:lumMod val="75000"/>
+                    <a:lumOff val="25000"/>
+                  </a:schemeClr>
+                </a:solidFill>
                 <a:effectLst>
                   <a:outerShdw blurRad="38100" dist="38100" dir="2700000" algn="tl">
                     <a:srgbClr val="000000">
@@ -5847,6 +5888,12 @@
               <a:t>SMART OFFICE!!</a:t>
             </a:r>
             <a:endParaRPr lang="de-DE" sz="2800" dirty="0">
+              <a:solidFill>
+                <a:schemeClr val="accent2">
+                  <a:lumMod val="75000"/>
+                  <a:lumOff val="25000"/>
+                </a:schemeClr>
+              </a:solidFill>
               <a:effectLst>
                 <a:outerShdw blurRad="38100" dist="38100" dir="2700000" algn="tl">
                   <a:srgbClr val="000000">
@@ -7169,8 +7216,8 @@
         </p:blipFill>
         <p:spPr bwMode="auto">
           <a:xfrm>
-            <a:off x="7504444" y="2943673"/>
-            <a:ext cx="523940" cy="797424"/>
+            <a:off x="7737340" y="3707801"/>
+            <a:ext cx="379924" cy="532394"/>
           </a:xfrm>
           <a:prstGeom prst="rect">
             <a:avLst/>
@@ -7198,6 +7245,35 @@
               </a14:hiddenLine>
             </a:ext>
           </a:extLst>
+        </p:spPr>
+      </p:pic>
+      <p:pic>
+        <p:nvPicPr>
+          <p:cNvPr id="2" name="Picture 1"/>
+          <p:cNvPicPr>
+            <a:picLocks noChangeAspect="1"/>
+          </p:cNvPicPr>
+          <p:nvPr/>
+        </p:nvPicPr>
+        <p:blipFill rotWithShape="1">
+          <a:blip r:embed="rId6" cstate="print">
+            <a:extLst>
+              <a:ext uri="{28A0092B-C50C-407E-A947-70E740481C1C}">
+                <a14:useLocalDpi xmlns:a14="http://schemas.microsoft.com/office/drawing/2010/main" val="0"/>
+              </a:ext>
+            </a:extLst>
+          </a:blip>
+          <a:srcRect l="36614" t="3608" r="34907" b="8087"/>
+          <a:stretch/>
+        </p:blipFill>
+        <p:spPr>
+          <a:xfrm>
+            <a:off x="7497763" y="3091104"/>
+            <a:ext cx="647980" cy="616697"/>
+          </a:xfrm>
+          <a:prstGeom prst="rect">
+            <a:avLst/>
+          </a:prstGeom>
         </p:spPr>
       </p:pic>
     </p:spTree>

--- a/docs/Smart Office – Find My Colleges.pptx
+++ b/docs/Smart Office – Find My Colleges.pptx
@@ -5,7 +5,7 @@
     <p:sldMasterId id="2147483660" r:id="rId1"/>
   </p:sldMasterIdLst>
   <p:notesMasterIdLst>
-    <p:notesMasterId r:id="rId9"/>
+    <p:notesMasterId r:id="rId10"/>
   </p:notesMasterIdLst>
   <p:sldIdLst>
     <p:sldId id="259" r:id="rId2"/>
@@ -14,7 +14,8 @@
     <p:sldId id="266" r:id="rId5"/>
     <p:sldId id="270" r:id="rId6"/>
     <p:sldId id="267" r:id="rId7"/>
-    <p:sldId id="268" r:id="rId8"/>
+    <p:sldId id="271" r:id="rId8"/>
+    <p:sldId id="268" r:id="rId9"/>
   </p:sldIdLst>
   <p:sldSz cx="9144000" cy="6858000" type="screen4x3"/>
   <p:notesSz cx="6858000" cy="9144000"/>
@@ -5542,6 +5543,29 @@
           <a:chExt cx="0" cy="0"/>
         </a:xfrm>
       </p:grpSpPr>
+      <p:pic>
+        <p:nvPicPr>
+          <p:cNvPr id="4" name="Picture 3"/>
+          <p:cNvPicPr>
+            <a:picLocks noChangeAspect="1"/>
+          </p:cNvPicPr>
+          <p:nvPr/>
+        </p:nvPicPr>
+        <p:blipFill rotWithShape="1">
+          <a:blip r:embed="rId2"/>
+          <a:srcRect l="13449" r="7823" b="6605"/>
+          <a:stretch/>
+        </p:blipFill>
+        <p:spPr>
+          <a:xfrm>
+            <a:off x="6012161" y="1470053"/>
+            <a:ext cx="3108888" cy="3943478"/>
+          </a:xfrm>
+          <a:prstGeom prst="rect">
+            <a:avLst/>
+          </a:prstGeom>
+        </p:spPr>
+      </p:pic>
       <p:sp>
         <p:nvSpPr>
           <p:cNvPr id="3" name="Text Placeholder 2"/>
@@ -5615,60 +5639,6 @@
           </a:p>
         </p:txBody>
       </p:sp>
-      <p:pic>
-        <p:nvPicPr>
-          <p:cNvPr id="1030" name="Picture 6"/>
-          <p:cNvPicPr>
-            <a:picLocks noChangeAspect="1" noChangeArrowheads="1"/>
-          </p:cNvPicPr>
-          <p:nvPr/>
-        </p:nvPicPr>
-        <p:blipFill>
-          <a:blip r:embed="rId2" cstate="print">
-            <a:extLst>
-              <a:ext uri="{28A0092B-C50C-407E-A947-70E740481C1C}">
-                <a14:useLocalDpi xmlns:a14="http://schemas.microsoft.com/office/drawing/2010/main" val="0"/>
-              </a:ext>
-            </a:extLst>
-          </a:blip>
-          <a:srcRect/>
-          <a:stretch>
-            <a:fillRect/>
-          </a:stretch>
-        </p:blipFill>
-        <p:spPr bwMode="auto">
-          <a:xfrm>
-            <a:off x="7236296" y="3234218"/>
-            <a:ext cx="1539954" cy="2420888"/>
-          </a:xfrm>
-          <a:prstGeom prst="rect">
-            <a:avLst/>
-          </a:prstGeom>
-          <a:noFill/>
-          <a:ln>
-            <a:noFill/>
-          </a:ln>
-          <a:extLst>
-            <a:ext uri="{909E8E84-426E-40DD-AFC4-6F175D3DCCD1}">
-              <a14:hiddenFill xmlns:a14="http://schemas.microsoft.com/office/drawing/2010/main">
-                <a:solidFill>
-                  <a:schemeClr val="accent1"/>
-                </a:solidFill>
-              </a14:hiddenFill>
-            </a:ext>
-            <a:ext uri="{91240B29-F687-4F45-9708-019B960494DF}">
-              <a14:hiddenLine xmlns:a14="http://schemas.microsoft.com/office/drawing/2010/main" w="9525">
-                <a:solidFill>
-                  <a:schemeClr val="tx1"/>
-                </a:solidFill>
-                <a:miter lim="800000"/>
-                <a:headEnd/>
-                <a:tailEnd/>
-              </a14:hiddenLine>
-            </a:ext>
-          </a:extLst>
-        </p:spPr>
-      </p:pic>
       <p:sp>
         <p:nvSpPr>
           <p:cNvPr id="7" name="TextBox 6"/>
@@ -5691,6 +5661,7 @@
           </a:bodyPr>
           <a:lstStyle/>
           <a:p>
+            <a:pPr algn="just"/>
             <a:r>
               <a:rPr lang="en-US" dirty="0"/>
               <a:t>Meet Jack the Consultant. He is hard working but usually he is a little bit late in the </a:t>
@@ -5754,6 +5725,45 @@
           </a:extLst>
         </p:spPr>
       </p:pic>
+      <p:sp>
+        <p:nvSpPr>
+          <p:cNvPr id="2" name="AutoShape 2" descr="https://mail.google.com/mail/u/0/?ui=2&amp;ik=73d5c9f982&amp;view=fimg&amp;th=1536b5d3fcf41186&amp;attid=0.1.1&amp;disp=emb&amp;attbid=ANGjdJ9gCVIsWqIaLik1C-7RVDBSzWhl2UxW4FUcQqNFyFxYTbn_a3zRHxFVH5QRNyQPNCQXdxS5PeQO9N0uUzhmMGgqHfdBg_AijlL6HECGIOu7TAKkDC07kPrCueY&amp;sz=s0-l75-ft&amp;ats=1457795220473&amp;rm=1536b5d3fcf41186&amp;zw&amp;atsh=1"/>
+          <p:cNvSpPr>
+            <a:spLocks noChangeAspect="1" noChangeArrowheads="1"/>
+          </p:cNvSpPr>
+          <p:nvPr/>
+        </p:nvSpPr>
+        <p:spPr bwMode="auto">
+          <a:xfrm>
+            <a:off x="155574" y="-144463"/>
+            <a:ext cx="6792689" cy="6792711"/>
+          </a:xfrm>
+          <a:prstGeom prst="rect">
+            <a:avLst/>
+          </a:prstGeom>
+          <a:noFill/>
+          <a:extLst>
+            <a:ext uri="{909E8E84-426E-40DD-AFC4-6F175D3DCCD1}">
+              <a14:hiddenFill xmlns:a14="http://schemas.microsoft.com/office/drawing/2010/main">
+                <a:solidFill>
+                  <a:srgbClr val="FFFFFF"/>
+                </a:solidFill>
+              </a14:hiddenFill>
+            </a:ext>
+          </a:extLst>
+        </p:spPr>
+        <p:txBody>
+          <a:bodyPr vert="horz" wrap="square" lIns="91440" tIns="45720" rIns="91440" bIns="45720" numCol="1" anchor="t" anchorCtr="0" compatLnSpc="1">
+            <a:prstTxWarp prst="textNoShape">
+              <a:avLst/>
+            </a:prstTxWarp>
+          </a:bodyPr>
+          <a:lstStyle/>
+          <a:p>
+            <a:endParaRPr lang="en-US"/>
+          </a:p>
+        </p:txBody>
+      </p:sp>
     </p:spTree>
     <p:extLst>
       <p:ext uri="{BB962C8B-B14F-4D97-AF65-F5344CB8AC3E}">
@@ -5764,6 +5774,13 @@
   <p:clrMapOvr>
     <a:masterClrMapping/>
   </p:clrMapOvr>
+  <p:timing>
+    <p:tnLst>
+      <p:par>
+        <p:cTn id="1" dur="indefinite" restart="never" nodeType="tmRoot"/>
+      </p:par>
+    </p:tnLst>
+  </p:timing>
 </p:sld>
 </file>
 
@@ -5839,8 +5856,8 @@
         </p:nvSpPr>
         <p:spPr>
           <a:xfrm>
-            <a:off x="1655676" y="2845075"/>
-            <a:ext cx="5832648" cy="523220"/>
+            <a:off x="1655676" y="3142709"/>
+            <a:ext cx="5832648" cy="646331"/>
           </a:xfrm>
           <a:prstGeom prst="rect">
             <a:avLst/>
@@ -5870,12 +5887,9 @@
               <a:t> </a:t>
             </a:r>
             <a:r>
-              <a:rPr lang="de-DE" sz="2800" b="1" dirty="0" smtClean="0">
+              <a:rPr lang="de-DE" sz="3600" b="1" dirty="0" smtClean="0">
                 <a:solidFill>
-                  <a:schemeClr val="accent2">
-                    <a:lumMod val="75000"/>
-                    <a:lumOff val="25000"/>
-                  </a:schemeClr>
+                  <a:srgbClr val="228624"/>
                 </a:solidFill>
                 <a:effectLst>
                   <a:outerShdw blurRad="38100" dist="38100" dir="2700000" algn="tl">
@@ -5887,12 +5901,9 @@
               </a:rPr>
               <a:t>SMART OFFICE!!</a:t>
             </a:r>
-            <a:endParaRPr lang="de-DE" sz="2800" dirty="0">
+            <a:endParaRPr lang="de-DE" sz="3600" dirty="0">
               <a:solidFill>
-                <a:schemeClr val="accent2">
-                  <a:lumMod val="75000"/>
-                  <a:lumOff val="25000"/>
-                </a:schemeClr>
+                <a:srgbClr val="228624"/>
               </a:solidFill>
               <a:effectLst>
                 <a:outerShdw blurRad="38100" dist="38100" dir="2700000" algn="tl">
@@ -5914,7 +5925,7 @@
         <p:spPr>
           <a:xfrm>
             <a:off x="899592" y="1196752"/>
-            <a:ext cx="7560840" cy="1477328"/>
+            <a:ext cx="7560840" cy="1754326"/>
           </a:xfrm>
           <a:prstGeom prst="rect">
             <a:avLst/>
@@ -5927,13 +5938,10 @@
           </a:bodyPr>
           <a:lstStyle/>
           <a:p>
-            <a:r>
-              <a:rPr lang="de-DE" dirty="0" smtClean="0"/>
-              <a:t>A </a:t>
-            </a:r>
-            <a:r>
-              <a:rPr lang="de-DE" dirty="0" err="1" smtClean="0"/>
-              <a:t>soucre</a:t>
+            <a:pPr algn="just"/>
+            <a:r>
+              <a:rPr lang="de-DE" dirty="0" smtClean="0"/>
+              <a:t>A soucre</a:t>
             </a:r>
             <a:r>
               <a:rPr lang="de-DE" dirty="0" smtClean="0"/>
@@ -5941,7 +5949,11 @@
             </a:r>
           </a:p>
           <a:p>
-            <a:pPr marL="285750" indent="-285750">
+            <a:pPr algn="just"/>
+            <a:endParaRPr lang="de-DE" dirty="0" smtClean="0"/>
+          </a:p>
+          <a:p>
+            <a:pPr marL="285750" indent="-285750" algn="just">
               <a:buFont typeface="Wingdings" panose="05000000000000000000" pitchFamily="2" charset="2"/>
               <a:buChar char="Ø"/>
             </a:pPr>
@@ -6039,7 +6051,7 @@
             </a:r>
           </a:p>
           <a:p>
-            <a:pPr marL="285750" indent="-285750">
+            <a:pPr marL="285750" indent="-285750" algn="just">
               <a:buFont typeface="Wingdings" panose="05000000000000000000" pitchFamily="2" charset="2"/>
               <a:buChar char="Ø"/>
             </a:pPr>
@@ -6114,7 +6126,7 @@
             <a:endParaRPr lang="de-DE" dirty="0" smtClean="0"/>
           </a:p>
           <a:p>
-            <a:pPr marL="285750" indent="-285750">
+            <a:pPr marL="285750" indent="-285750" algn="just">
               <a:buFont typeface="Wingdings" panose="05000000000000000000" pitchFamily="2" charset="2"/>
               <a:buChar char="Ø"/>
             </a:pPr>
@@ -6180,7 +6192,7 @@
             </a:r>
           </a:p>
           <a:p>
-            <a:pPr marL="285750" indent="-285750">
+            <a:pPr marL="285750" indent="-285750" algn="just">
               <a:buFont typeface="Wingdings" panose="05000000000000000000" pitchFamily="2" charset="2"/>
               <a:buChar char="Ø"/>
             </a:pPr>
@@ -6284,7 +6296,7 @@
         </p:nvSpPr>
         <p:spPr>
           <a:xfrm>
-            <a:off x="971600" y="3573016"/>
+            <a:off x="971600" y="4012029"/>
             <a:ext cx="7128792" cy="2585323"/>
           </a:xfrm>
           <a:prstGeom prst="rect">
@@ -6298,6 +6310,7 @@
           </a:bodyPr>
           <a:lstStyle/>
           <a:p>
+            <a:pPr algn="just"/>
             <a:r>
               <a:rPr lang="de-DE" dirty="0" smtClean="0"/>
               <a:t>A </a:t>
@@ -6352,10 +6365,11 @@
             </a:r>
           </a:p>
           <a:p>
+            <a:pPr algn="just"/>
             <a:endParaRPr lang="de-DE" dirty="0" smtClean="0"/>
           </a:p>
           <a:p>
-            <a:pPr marL="285750" indent="-285750">
+            <a:pPr marL="285750" indent="-285750" algn="just">
               <a:buFont typeface="Wingdings" panose="05000000000000000000" pitchFamily="2" charset="2"/>
               <a:buChar char="ü"/>
             </a:pPr>
@@ -6389,7 +6403,7 @@
             </a:r>
           </a:p>
           <a:p>
-            <a:pPr marL="285750" indent="-285750">
+            <a:pPr marL="285750" indent="-285750" algn="just">
               <a:buFont typeface="Wingdings" panose="05000000000000000000" pitchFamily="2" charset="2"/>
               <a:buChar char="ü"/>
             </a:pPr>
@@ -6439,7 +6453,7 @@
             </a:r>
           </a:p>
           <a:p>
-            <a:pPr marL="285750" indent="-285750">
+            <a:pPr marL="285750" indent="-285750" algn="just">
               <a:buFont typeface="Wingdings" panose="05000000000000000000" pitchFamily="2" charset="2"/>
               <a:buChar char="ü"/>
             </a:pPr>
@@ -6489,7 +6503,7 @@
             </a:r>
           </a:p>
           <a:p>
-            <a:pPr marL="285750" indent="-285750">
+            <a:pPr marL="285750" indent="-285750" algn="just">
               <a:buFont typeface="Wingdings" panose="05000000000000000000" pitchFamily="2" charset="2"/>
               <a:buChar char="ü"/>
             </a:pPr>
@@ -6519,16 +6533,18 @@
             </a:r>
           </a:p>
           <a:p>
-            <a:pPr marL="285750" indent="-285750">
+            <a:pPr marL="285750" indent="-285750" algn="just">
               <a:buFont typeface="Wingdings" panose="05000000000000000000" pitchFamily="2" charset="2"/>
               <a:buChar char="ü"/>
             </a:pPr>
             <a:endParaRPr lang="de-DE" dirty="0" smtClean="0"/>
           </a:p>
           <a:p>
+            <a:pPr algn="just"/>
             <a:endParaRPr lang="de-DE" dirty="0"/>
           </a:p>
           <a:p>
+            <a:pPr algn="just"/>
             <a:endParaRPr lang="de-DE" dirty="0"/>
           </a:p>
         </p:txBody>
@@ -6543,6 +6559,13 @@
   <p:clrMapOvr>
     <a:masterClrMapping/>
   </p:clrMapOvr>
+  <p:timing>
+    <p:tnLst>
+      <p:par>
+        <p:cTn id="1" dur="indefinite" restart="never" nodeType="tmRoot"/>
+      </p:par>
+    </p:tnLst>
+  </p:timing>
 </p:sld>
 </file>
 
@@ -7276,6 +7299,34 @@
           </a:prstGeom>
         </p:spPr>
       </p:pic>
+      <p:pic>
+        <p:nvPicPr>
+          <p:cNvPr id="19" name="Picture 18"/>
+          <p:cNvPicPr>
+            <a:picLocks noChangeAspect="1"/>
+          </p:cNvPicPr>
+          <p:nvPr/>
+        </p:nvPicPr>
+        <p:blipFill rotWithShape="1">
+          <a:blip r:embed="rId7"/>
+          <a:srcRect l="1225"/>
+          <a:stretch/>
+        </p:blipFill>
+        <p:spPr>
+          <a:xfrm flipH="1">
+            <a:off x="359219" y="4112160"/>
+            <a:ext cx="1255272" cy="810840"/>
+          </a:xfrm>
+          <a:prstGeom prst="rect">
+            <a:avLst/>
+          </a:prstGeom>
+          <a:ln w="3175">
+            <a:solidFill>
+              <a:schemeClr val="tx1"/>
+            </a:solidFill>
+          </a:ln>
+        </p:spPr>
+      </p:pic>
     </p:spTree>
     <p:extLst>
       <p:ext uri="{BB962C8B-B14F-4D97-AF65-F5344CB8AC3E}">
@@ -7286,6 +7337,13 @@
   <p:clrMapOvr>
     <a:masterClrMapping/>
   </p:clrMapOvr>
+  <p:timing>
+    <p:tnLst>
+      <p:par>
+        <p:cTn id="1" dur="indefinite" restart="never" nodeType="tmRoot"/>
+      </p:par>
+    </p:tnLst>
+  </p:timing>
 </p:sld>
 </file>
 
@@ -7351,16 +7409,18 @@
           </a:bodyPr>
           <a:lstStyle/>
           <a:p>
+            <a:pPr algn="just"/>
             <a:r>
               <a:rPr lang="de-DE" dirty="0" smtClean="0"/>
               <a:t>Smart Office :</a:t>
             </a:r>
           </a:p>
           <a:p>
+            <a:pPr algn="just"/>
             <a:endParaRPr lang="de-DE" dirty="0" smtClean="0"/>
           </a:p>
           <a:p>
-            <a:pPr marL="285750" indent="-285750">
+            <a:pPr marL="285750" indent="-285750" algn="just">
               <a:buFont typeface="Wingdings" panose="05000000000000000000" pitchFamily="2" charset="2"/>
               <a:buChar char="ü"/>
             </a:pPr>
@@ -7379,7 +7439,7 @@
             <a:endParaRPr lang="de-DE" dirty="0" smtClean="0"/>
           </a:p>
           <a:p>
-            <a:pPr marL="285750" indent="-285750">
+            <a:pPr marL="285750" indent="-285750" algn="just">
               <a:buFont typeface="Wingdings" panose="05000000000000000000" pitchFamily="2" charset="2"/>
               <a:buChar char="ü"/>
             </a:pPr>
@@ -7405,7 +7465,7 @@
             </a:r>
           </a:p>
           <a:p>
-            <a:pPr marL="285750" indent="-285750">
+            <a:pPr marL="285750" indent="-285750" algn="just">
               <a:buFont typeface="Wingdings" panose="05000000000000000000" pitchFamily="2" charset="2"/>
               <a:buChar char="ü"/>
             </a:pPr>
@@ -7432,7 +7492,7 @@
             <a:endParaRPr lang="de-DE" dirty="0" smtClean="0"/>
           </a:p>
           <a:p>
-            <a:pPr marL="285750" indent="-285750">
+            <a:pPr marL="285750" indent="-285750" algn="just">
               <a:buFont typeface="Wingdings" panose="05000000000000000000" pitchFamily="2" charset="2"/>
               <a:buChar char="ü"/>
             </a:pPr>
@@ -7470,7 +7530,7 @@
             </a:r>
           </a:p>
           <a:p>
-            <a:pPr marL="285750" indent="-285750">
+            <a:pPr marL="285750" indent="-285750" algn="just">
               <a:buFont typeface="Wingdings" panose="05000000000000000000" pitchFamily="2" charset="2"/>
               <a:buChar char="ü"/>
             </a:pPr>
@@ -7497,7 +7557,7 @@
             <a:endParaRPr lang="de-DE" dirty="0"/>
           </a:p>
           <a:p>
-            <a:pPr marL="285750" indent="-285750">
+            <a:pPr marL="285750" indent="-285750" algn="just">
               <a:buFont typeface="Wingdings" panose="05000000000000000000" pitchFamily="2" charset="2"/>
               <a:buChar char="ü"/>
             </a:pPr>
@@ -7536,7 +7596,7 @@
             <a:endParaRPr lang="de-DE" dirty="0" smtClean="0"/>
           </a:p>
           <a:p>
-            <a:pPr marL="285750" indent="-285750">
+            <a:pPr marL="285750" indent="-285750" algn="just">
               <a:buFont typeface="Wingdings" panose="05000000000000000000" pitchFamily="2" charset="2"/>
               <a:buChar char="ü"/>
             </a:pPr>
@@ -7554,6 +7614,13 @@
   <p:clrMapOvr>
     <a:masterClrMapping/>
   </p:clrMapOvr>
+  <p:timing>
+    <p:tnLst>
+      <p:par>
+        <p:cTn id="1" dur="indefinite" restart="never" nodeType="tmRoot"/>
+      </p:par>
+    </p:tnLst>
+  </p:timing>
 </p:sld>
 </file>
 
@@ -7584,7 +7651,12 @@
             <p:ph type="body" sz="quarter" idx="10"/>
           </p:nvPr>
         </p:nvSpPr>
-        <p:spPr/>
+        <p:spPr>
+          <a:xfrm>
+            <a:off x="755576" y="0"/>
+            <a:ext cx="6765925" cy="731838"/>
+          </a:xfrm>
+        </p:spPr>
         <p:txBody>
           <a:bodyPr/>
           <a:lstStyle/>
@@ -7594,6 +7666,629 @@
               <a:t>Prototype</a:t>
             </a:r>
             <a:endParaRPr lang="de-DE" dirty="0"/>
+          </a:p>
+        </p:txBody>
+      </p:sp>
+      <p:pic>
+        <p:nvPicPr>
+          <p:cNvPr id="5" name="Picture 4"/>
+          <p:cNvPicPr>
+            <a:picLocks noChangeAspect="1"/>
+          </p:cNvPicPr>
+          <p:nvPr/>
+        </p:nvPicPr>
+        <p:blipFill rotWithShape="1">
+          <a:blip r:embed="rId2"/>
+          <a:srcRect l="1225"/>
+          <a:stretch/>
+        </p:blipFill>
+        <p:spPr>
+          <a:xfrm>
+            <a:off x="684251" y="1124738"/>
+            <a:ext cx="6911559" cy="4464507"/>
+          </a:xfrm>
+          <a:prstGeom prst="rect">
+            <a:avLst/>
+          </a:prstGeom>
+          <a:ln w="3175">
+            <a:solidFill>
+              <a:schemeClr val="tx1"/>
+            </a:solidFill>
+          </a:ln>
+        </p:spPr>
+      </p:pic>
+      <p:cxnSp>
+        <p:nvCxnSpPr>
+          <p:cNvPr id="9" name="Straight Arrow Connector 8"/>
+          <p:cNvCxnSpPr/>
+          <p:nvPr/>
+        </p:nvCxnSpPr>
+        <p:spPr>
+          <a:xfrm flipV="1">
+            <a:off x="4865236" y="3573016"/>
+            <a:ext cx="859575" cy="391326"/>
+          </a:xfrm>
+          <a:prstGeom prst="straightConnector1">
+            <a:avLst/>
+          </a:prstGeom>
+          <a:ln>
+            <a:solidFill>
+              <a:srgbClr val="FFC000"/>
+            </a:solidFill>
+            <a:tailEnd type="triangle"/>
+          </a:ln>
+        </p:spPr>
+        <p:style>
+          <a:lnRef idx="2">
+            <a:schemeClr val="accent1"/>
+          </a:lnRef>
+          <a:fillRef idx="0">
+            <a:schemeClr val="accent1"/>
+          </a:fillRef>
+          <a:effectRef idx="1">
+            <a:schemeClr val="accent1"/>
+          </a:effectRef>
+          <a:fontRef idx="minor">
+            <a:schemeClr val="tx1"/>
+          </a:fontRef>
+        </p:style>
+      </p:cxnSp>
+      <p:sp>
+        <p:nvSpPr>
+          <p:cNvPr id="10" name="TextBox 9"/>
+          <p:cNvSpPr txBox="1"/>
+          <p:nvPr/>
+        </p:nvSpPr>
+        <p:spPr>
+          <a:xfrm>
+            <a:off x="5578535" y="3224569"/>
+            <a:ext cx="1082380" cy="307777"/>
+          </a:xfrm>
+          <a:prstGeom prst="rect">
+            <a:avLst/>
+          </a:prstGeom>
+          <a:noFill/>
+        </p:spPr>
+        <p:txBody>
+          <a:bodyPr wrap="square" rtlCol="0">
+            <a:spAutoFit/>
+          </a:bodyPr>
+          <a:lstStyle/>
+          <a:p>
+            <a:r>
+              <a:rPr lang="en-US" sz="1400" b="1" dirty="0" smtClean="0">
+                <a:solidFill>
+                  <a:srgbClr val="FFC000"/>
+                </a:solidFill>
+              </a:rPr>
+              <a:t>Occupied</a:t>
+            </a:r>
+            <a:endParaRPr lang="en-US" sz="1400" b="1" dirty="0">
+              <a:solidFill>
+                <a:srgbClr val="FFC000"/>
+              </a:solidFill>
+            </a:endParaRPr>
+          </a:p>
+        </p:txBody>
+      </p:sp>
+      <p:cxnSp>
+        <p:nvCxnSpPr>
+          <p:cNvPr id="13" name="Straight Arrow Connector 12"/>
+          <p:cNvCxnSpPr>
+            <a:stCxn id="37" idx="2"/>
+          </p:cNvCxnSpPr>
+          <p:nvPr/>
+        </p:nvCxnSpPr>
+        <p:spPr>
+          <a:xfrm flipH="1">
+            <a:off x="1973614" y="3104965"/>
+            <a:ext cx="156847" cy="991910"/>
+          </a:xfrm>
+          <a:prstGeom prst="straightConnector1">
+            <a:avLst/>
+          </a:prstGeom>
+          <a:ln>
+            <a:solidFill>
+              <a:srgbClr val="FFC000"/>
+            </a:solidFill>
+            <a:tailEnd type="triangle"/>
+          </a:ln>
+        </p:spPr>
+        <p:style>
+          <a:lnRef idx="2">
+            <a:schemeClr val="accent1"/>
+          </a:lnRef>
+          <a:fillRef idx="0">
+            <a:schemeClr val="accent1"/>
+          </a:fillRef>
+          <a:effectRef idx="1">
+            <a:schemeClr val="accent1"/>
+          </a:effectRef>
+          <a:fontRef idx="minor">
+            <a:schemeClr val="tx1"/>
+          </a:fontRef>
+        </p:style>
+      </p:cxnSp>
+      <p:sp>
+        <p:nvSpPr>
+          <p:cNvPr id="14" name="TextBox 13"/>
+          <p:cNvSpPr txBox="1"/>
+          <p:nvPr/>
+        </p:nvSpPr>
+        <p:spPr>
+          <a:xfrm>
+            <a:off x="1388507" y="4096875"/>
+            <a:ext cx="1023935" cy="307777"/>
+          </a:xfrm>
+          <a:prstGeom prst="rect">
+            <a:avLst/>
+          </a:prstGeom>
+          <a:noFill/>
+        </p:spPr>
+        <p:txBody>
+          <a:bodyPr wrap="square" rtlCol="0">
+            <a:spAutoFit/>
+          </a:bodyPr>
+          <a:lstStyle/>
+          <a:p>
+            <a:r>
+              <a:rPr lang="en-US" sz="1400" b="1" dirty="0" smtClean="0">
+                <a:solidFill>
+                  <a:srgbClr val="FFC000"/>
+                </a:solidFill>
+              </a:rPr>
+              <a:t>Available</a:t>
+            </a:r>
+            <a:endParaRPr lang="en-US" sz="1200" b="1" dirty="0">
+              <a:solidFill>
+                <a:srgbClr val="FFC000"/>
+              </a:solidFill>
+            </a:endParaRPr>
+          </a:p>
+        </p:txBody>
+      </p:sp>
+      <p:cxnSp>
+        <p:nvCxnSpPr>
+          <p:cNvPr id="19" name="Straight Arrow Connector 18"/>
+          <p:cNvCxnSpPr/>
+          <p:nvPr/>
+        </p:nvCxnSpPr>
+        <p:spPr>
+          <a:xfrm>
+            <a:off x="7354430" y="2708920"/>
+            <a:ext cx="576064" cy="396044"/>
+          </a:xfrm>
+          <a:prstGeom prst="straightConnector1">
+            <a:avLst/>
+          </a:prstGeom>
+          <a:ln>
+            <a:solidFill>
+              <a:srgbClr val="FFC000"/>
+            </a:solidFill>
+            <a:tailEnd type="triangle"/>
+          </a:ln>
+        </p:spPr>
+        <p:style>
+          <a:lnRef idx="2">
+            <a:schemeClr val="accent1"/>
+          </a:lnRef>
+          <a:fillRef idx="0">
+            <a:schemeClr val="accent1"/>
+          </a:fillRef>
+          <a:effectRef idx="1">
+            <a:schemeClr val="accent1"/>
+          </a:effectRef>
+          <a:fontRef idx="minor">
+            <a:schemeClr val="tx1"/>
+          </a:fontRef>
+        </p:style>
+      </p:cxnSp>
+      <p:sp>
+        <p:nvSpPr>
+          <p:cNvPr id="20" name="TextBox 19"/>
+          <p:cNvSpPr txBox="1"/>
+          <p:nvPr/>
+        </p:nvSpPr>
+        <p:spPr>
+          <a:xfrm>
+            <a:off x="-89033" y="2632471"/>
+            <a:ext cx="1727961" cy="646331"/>
+          </a:xfrm>
+          <a:prstGeom prst="rect">
+            <a:avLst/>
+          </a:prstGeom>
+          <a:noFill/>
+        </p:spPr>
+        <p:txBody>
+          <a:bodyPr wrap="square" rtlCol="0">
+            <a:spAutoFit/>
+          </a:bodyPr>
+          <a:lstStyle/>
+          <a:p>
+            <a:r>
+              <a:rPr lang="en-US" b="1" dirty="0" smtClean="0">
+                <a:solidFill>
+                  <a:srgbClr val="FFC000"/>
+                </a:solidFill>
+              </a:rPr>
+              <a:t>Navigate through office</a:t>
+            </a:r>
+            <a:endParaRPr lang="en-US" b="1" dirty="0">
+              <a:solidFill>
+                <a:srgbClr val="FFC000"/>
+              </a:solidFill>
+            </a:endParaRPr>
+          </a:p>
+        </p:txBody>
+      </p:sp>
+      <p:sp>
+        <p:nvSpPr>
+          <p:cNvPr id="21" name="Rectangle 20"/>
+          <p:cNvSpPr/>
+          <p:nvPr/>
+        </p:nvSpPr>
+        <p:spPr>
+          <a:xfrm>
+            <a:off x="6731714" y="1802083"/>
+            <a:ext cx="864096" cy="906837"/>
+          </a:xfrm>
+          <a:prstGeom prst="rect">
+            <a:avLst/>
+          </a:prstGeom>
+          <a:noFill/>
+          <a:ln w="38100">
+            <a:solidFill>
+              <a:srgbClr val="FFC000"/>
+            </a:solidFill>
+          </a:ln>
+        </p:spPr>
+        <p:style>
+          <a:lnRef idx="1">
+            <a:schemeClr val="accent1"/>
+          </a:lnRef>
+          <a:fillRef idx="3">
+            <a:schemeClr val="accent1"/>
+          </a:fillRef>
+          <a:effectRef idx="2">
+            <a:schemeClr val="accent1"/>
+          </a:effectRef>
+          <a:fontRef idx="minor">
+            <a:schemeClr val="lt1"/>
+          </a:fontRef>
+        </p:style>
+        <p:txBody>
+          <a:bodyPr rtlCol="0" anchor="ctr"/>
+          <a:lstStyle/>
+          <a:p>
+            <a:pPr algn="ctr"/>
+            <a:endParaRPr lang="en-US"/>
+          </a:p>
+        </p:txBody>
+      </p:sp>
+      <p:cxnSp>
+        <p:nvCxnSpPr>
+          <p:cNvPr id="23" name="Straight Arrow Connector 22"/>
+          <p:cNvCxnSpPr>
+            <a:stCxn id="25" idx="2"/>
+            <a:endCxn id="24" idx="1"/>
+          </p:cNvCxnSpPr>
+          <p:nvPr/>
+        </p:nvCxnSpPr>
+        <p:spPr>
+          <a:xfrm>
+            <a:off x="4104631" y="2204864"/>
+            <a:ext cx="443669" cy="323951"/>
+          </a:xfrm>
+          <a:prstGeom prst="straightConnector1">
+            <a:avLst/>
+          </a:prstGeom>
+          <a:ln>
+            <a:solidFill>
+              <a:srgbClr val="FFC000"/>
+            </a:solidFill>
+            <a:tailEnd type="triangle"/>
+          </a:ln>
+        </p:spPr>
+        <p:style>
+          <a:lnRef idx="2">
+            <a:schemeClr val="accent1"/>
+          </a:lnRef>
+          <a:fillRef idx="0">
+            <a:schemeClr val="accent1"/>
+          </a:fillRef>
+          <a:effectRef idx="1">
+            <a:schemeClr val="accent1"/>
+          </a:effectRef>
+          <a:fontRef idx="minor">
+            <a:schemeClr val="tx1"/>
+          </a:fontRef>
+        </p:style>
+      </p:cxnSp>
+      <p:sp>
+        <p:nvSpPr>
+          <p:cNvPr id="24" name="TextBox 23"/>
+          <p:cNvSpPr txBox="1"/>
+          <p:nvPr/>
+        </p:nvSpPr>
+        <p:spPr>
+          <a:xfrm>
+            <a:off x="4548300" y="2205649"/>
+            <a:ext cx="1584176" cy="646331"/>
+          </a:xfrm>
+          <a:prstGeom prst="rect">
+            <a:avLst/>
+          </a:prstGeom>
+          <a:noFill/>
+        </p:spPr>
+        <p:txBody>
+          <a:bodyPr wrap="square" rtlCol="0">
+            <a:spAutoFit/>
+          </a:bodyPr>
+          <a:lstStyle/>
+          <a:p>
+            <a:r>
+              <a:rPr lang="en-US" b="1" dirty="0" smtClean="0">
+                <a:solidFill>
+                  <a:srgbClr val="FFC000"/>
+                </a:solidFill>
+              </a:rPr>
+              <a:t>Reserved for 70 min</a:t>
+            </a:r>
+            <a:endParaRPr lang="en-US" b="1" dirty="0">
+              <a:solidFill>
+                <a:srgbClr val="FFC000"/>
+              </a:solidFill>
+            </a:endParaRPr>
+          </a:p>
+        </p:txBody>
+      </p:sp>
+      <p:sp>
+        <p:nvSpPr>
+          <p:cNvPr id="25" name="Rectangle 24"/>
+          <p:cNvSpPr/>
+          <p:nvPr/>
+        </p:nvSpPr>
+        <p:spPr>
+          <a:xfrm>
+            <a:off x="3780595" y="1611341"/>
+            <a:ext cx="648072" cy="593523"/>
+          </a:xfrm>
+          <a:prstGeom prst="rect">
+            <a:avLst/>
+          </a:prstGeom>
+          <a:noFill/>
+          <a:ln w="38100">
+            <a:solidFill>
+              <a:srgbClr val="FFC000"/>
+            </a:solidFill>
+          </a:ln>
+        </p:spPr>
+        <p:style>
+          <a:lnRef idx="1">
+            <a:schemeClr val="accent1"/>
+          </a:lnRef>
+          <a:fillRef idx="3">
+            <a:schemeClr val="accent1"/>
+          </a:fillRef>
+          <a:effectRef idx="2">
+            <a:schemeClr val="accent1"/>
+          </a:effectRef>
+          <a:fontRef idx="minor">
+            <a:schemeClr val="lt1"/>
+          </a:fontRef>
+        </p:style>
+        <p:txBody>
+          <a:bodyPr rtlCol="0" anchor="ctr"/>
+          <a:lstStyle/>
+          <a:p>
+            <a:pPr algn="ctr"/>
+            <a:endParaRPr lang="en-US"/>
+          </a:p>
+        </p:txBody>
+      </p:sp>
+      <p:sp>
+        <p:nvSpPr>
+          <p:cNvPr id="30" name="Rectangle 29"/>
+          <p:cNvSpPr/>
+          <p:nvPr/>
+        </p:nvSpPr>
+        <p:spPr>
+          <a:xfrm>
+            <a:off x="684251" y="1612297"/>
+            <a:ext cx="648072" cy="593523"/>
+          </a:xfrm>
+          <a:prstGeom prst="rect">
+            <a:avLst/>
+          </a:prstGeom>
+          <a:noFill/>
+          <a:ln w="38100">
+            <a:solidFill>
+              <a:srgbClr val="FFC000"/>
+            </a:solidFill>
+          </a:ln>
+        </p:spPr>
+        <p:style>
+          <a:lnRef idx="1">
+            <a:schemeClr val="accent1"/>
+          </a:lnRef>
+          <a:fillRef idx="3">
+            <a:schemeClr val="accent1"/>
+          </a:fillRef>
+          <a:effectRef idx="2">
+            <a:schemeClr val="accent1"/>
+          </a:effectRef>
+          <a:fontRef idx="minor">
+            <a:schemeClr val="lt1"/>
+          </a:fontRef>
+        </p:style>
+        <p:txBody>
+          <a:bodyPr rtlCol="0" anchor="ctr"/>
+          <a:lstStyle/>
+          <a:p>
+            <a:pPr algn="ctr"/>
+            <a:endParaRPr lang="en-US"/>
+          </a:p>
+        </p:txBody>
+      </p:sp>
+      <p:cxnSp>
+        <p:nvCxnSpPr>
+          <p:cNvPr id="31" name="Straight Arrow Connector 30"/>
+          <p:cNvCxnSpPr/>
+          <p:nvPr/>
+        </p:nvCxnSpPr>
+        <p:spPr>
+          <a:xfrm flipH="1">
+            <a:off x="462417" y="2204864"/>
+            <a:ext cx="240639" cy="412304"/>
+          </a:xfrm>
+          <a:prstGeom prst="straightConnector1">
+            <a:avLst/>
+          </a:prstGeom>
+          <a:ln>
+            <a:solidFill>
+              <a:srgbClr val="FFC000"/>
+            </a:solidFill>
+            <a:tailEnd type="triangle"/>
+          </a:ln>
+        </p:spPr>
+        <p:style>
+          <a:lnRef idx="2">
+            <a:schemeClr val="accent1"/>
+          </a:lnRef>
+          <a:fillRef idx="0">
+            <a:schemeClr val="accent1"/>
+          </a:fillRef>
+          <a:effectRef idx="1">
+            <a:schemeClr val="accent1"/>
+          </a:effectRef>
+          <a:fontRef idx="minor">
+            <a:schemeClr val="tx1"/>
+          </a:fontRef>
+        </p:style>
+      </p:cxnSp>
+      <p:sp>
+        <p:nvSpPr>
+          <p:cNvPr id="32" name="TextBox 31"/>
+          <p:cNvSpPr txBox="1"/>
+          <p:nvPr/>
+        </p:nvSpPr>
+        <p:spPr>
+          <a:xfrm>
+            <a:off x="8036768" y="3053803"/>
+            <a:ext cx="1584176" cy="646331"/>
+          </a:xfrm>
+          <a:prstGeom prst="rect">
+            <a:avLst/>
+          </a:prstGeom>
+          <a:noFill/>
+        </p:spPr>
+        <p:txBody>
+          <a:bodyPr wrap="square" rtlCol="0">
+            <a:spAutoFit/>
+          </a:bodyPr>
+          <a:lstStyle/>
+          <a:p>
+            <a:r>
+              <a:rPr lang="en-US" b="1" dirty="0" smtClean="0">
+                <a:solidFill>
+                  <a:srgbClr val="FFC000"/>
+                </a:solidFill>
+              </a:rPr>
+              <a:t>Office 80% filled</a:t>
+            </a:r>
+            <a:endParaRPr lang="en-US" b="1" dirty="0">
+              <a:solidFill>
+                <a:srgbClr val="FFC000"/>
+              </a:solidFill>
+            </a:endParaRPr>
+          </a:p>
+        </p:txBody>
+      </p:sp>
+      <p:sp>
+        <p:nvSpPr>
+          <p:cNvPr id="36" name="Rectangle 35"/>
+          <p:cNvSpPr/>
+          <p:nvPr/>
+        </p:nvSpPr>
+        <p:spPr>
+          <a:xfrm>
+            <a:off x="4644008" y="3798090"/>
+            <a:ext cx="221228" cy="298786"/>
+          </a:xfrm>
+          <a:prstGeom prst="rect">
+            <a:avLst/>
+          </a:prstGeom>
+          <a:noFill/>
+          <a:ln w="38100">
+            <a:solidFill>
+              <a:srgbClr val="FFC000"/>
+            </a:solidFill>
+          </a:ln>
+        </p:spPr>
+        <p:style>
+          <a:lnRef idx="1">
+            <a:schemeClr val="accent1"/>
+          </a:lnRef>
+          <a:fillRef idx="3">
+            <a:schemeClr val="accent1"/>
+          </a:fillRef>
+          <a:effectRef idx="2">
+            <a:schemeClr val="accent1"/>
+          </a:effectRef>
+          <a:fontRef idx="minor">
+            <a:schemeClr val="lt1"/>
+          </a:fontRef>
+        </p:style>
+        <p:txBody>
+          <a:bodyPr rtlCol="0" anchor="ctr"/>
+          <a:lstStyle/>
+          <a:p>
+            <a:pPr algn="ctr"/>
+            <a:endParaRPr lang="en-US"/>
+          </a:p>
+        </p:txBody>
+      </p:sp>
+      <p:sp>
+        <p:nvSpPr>
+          <p:cNvPr id="37" name="Rectangle 36"/>
+          <p:cNvSpPr/>
+          <p:nvPr/>
+        </p:nvSpPr>
+        <p:spPr>
+          <a:xfrm>
+            <a:off x="1907704" y="2842183"/>
+            <a:ext cx="445513" cy="262782"/>
+          </a:xfrm>
+          <a:prstGeom prst="rect">
+            <a:avLst/>
+          </a:prstGeom>
+          <a:noFill/>
+          <a:ln w="38100">
+            <a:solidFill>
+              <a:srgbClr val="FFC000"/>
+            </a:solidFill>
+          </a:ln>
+        </p:spPr>
+        <p:style>
+          <a:lnRef idx="1">
+            <a:schemeClr val="accent1"/>
+          </a:lnRef>
+          <a:fillRef idx="3">
+            <a:schemeClr val="accent1"/>
+          </a:fillRef>
+          <a:effectRef idx="2">
+            <a:schemeClr val="accent1"/>
+          </a:effectRef>
+          <a:fontRef idx="minor">
+            <a:schemeClr val="lt1"/>
+          </a:fontRef>
+        </p:style>
+        <p:txBody>
+          <a:bodyPr rtlCol="0" anchor="ctr"/>
+          <a:lstStyle/>
+          <a:p>
+            <a:pPr algn="ctr"/>
+            <a:endParaRPr lang="en-US"/>
           </a:p>
         </p:txBody>
       </p:sp>
@@ -7607,6 +8302,13 @@
   <p:clrMapOvr>
     <a:masterClrMapping/>
   </p:clrMapOvr>
+  <p:timing>
+    <p:tnLst>
+      <p:par>
+        <p:cTn id="1" dur="indefinite" restart="never" nodeType="tmRoot"/>
+      </p:par>
+    </p:tnLst>
+  </p:timing>
 </p:sld>
 </file>
 
@@ -7643,6 +8345,94 @@
           <a:lstStyle/>
           <a:p>
             <a:r>
+              <a:rPr lang="en-US" dirty="0" smtClean="0"/>
+              <a:t>Prototype : Menu</a:t>
+            </a:r>
+            <a:endParaRPr lang="en-US" dirty="0"/>
+          </a:p>
+        </p:txBody>
+      </p:sp>
+      <p:pic>
+        <p:nvPicPr>
+          <p:cNvPr id="6" name="Picture 5"/>
+          <p:cNvPicPr>
+            <a:picLocks noChangeAspect="1"/>
+          </p:cNvPicPr>
+          <p:nvPr/>
+        </p:nvPicPr>
+        <p:blipFill rotWithShape="1">
+          <a:blip r:embed="rId2"/>
+          <a:srcRect l="679" b="1771"/>
+          <a:stretch/>
+        </p:blipFill>
+        <p:spPr>
+          <a:xfrm>
+            <a:off x="467544" y="1052736"/>
+            <a:ext cx="7974053" cy="5040561"/>
+          </a:xfrm>
+          <a:prstGeom prst="rect">
+            <a:avLst/>
+          </a:prstGeom>
+          <a:ln w="3175">
+            <a:solidFill>
+              <a:schemeClr val="tx1"/>
+            </a:solidFill>
+          </a:ln>
+        </p:spPr>
+      </p:pic>
+    </p:spTree>
+    <p:extLst>
+      <p:ext uri="{BB962C8B-B14F-4D97-AF65-F5344CB8AC3E}">
+        <p14:creationId xmlns:p14="http://schemas.microsoft.com/office/powerpoint/2010/main" val="3531185617"/>
+      </p:ext>
+    </p:extLst>
+  </p:cSld>
+  <p:clrMapOvr>
+    <a:masterClrMapping/>
+  </p:clrMapOvr>
+  <p:timing>
+    <p:tnLst>
+      <p:par>
+        <p:cTn id="1" dur="indefinite" restart="never" nodeType="tmRoot"/>
+      </p:par>
+    </p:tnLst>
+  </p:timing>
+</p:sld>
+</file>
+
+<file path=ppt/slides/slide8.xml><?xml version="1.0" encoding="utf-8"?>
+<p:sld xmlns:a="http://schemas.openxmlformats.org/drawingml/2006/main" xmlns:r="http://schemas.openxmlformats.org/officeDocument/2006/relationships" xmlns:p="http://schemas.openxmlformats.org/presentationml/2006/main">
+  <p:cSld>
+    <p:spTree>
+      <p:nvGrpSpPr>
+        <p:cNvPr id="1" name=""/>
+        <p:cNvGrpSpPr/>
+        <p:nvPr/>
+      </p:nvGrpSpPr>
+      <p:grpSpPr>
+        <a:xfrm>
+          <a:off x="0" y="0"/>
+          <a:ext cx="0" cy="0"/>
+          <a:chOff x="0" y="0"/>
+          <a:chExt cx="0" cy="0"/>
+        </a:xfrm>
+      </p:grpSpPr>
+      <p:sp>
+        <p:nvSpPr>
+          <p:cNvPr id="3" name="Text Placeholder 2"/>
+          <p:cNvSpPr>
+            <a:spLocks noGrp="1"/>
+          </p:cNvSpPr>
+          <p:nvPr>
+            <p:ph type="body" sz="quarter" idx="10"/>
+          </p:nvPr>
+        </p:nvSpPr>
+        <p:spPr/>
+        <p:txBody>
+          <a:bodyPr/>
+          <a:lstStyle/>
+          <a:p>
+            <a:r>
               <a:rPr lang="de-DE" dirty="0" err="1" smtClean="0"/>
               <a:t>Sucess</a:t>
             </a:r>
@@ -7675,6 +8465,7 @@
           </a:bodyPr>
           <a:lstStyle/>
           <a:p>
+            <a:pPr algn="just"/>
             <a:r>
               <a:rPr lang="en-US" dirty="0"/>
               <a:t>It is </a:t>
@@ -7709,9 +8500,11 @@
             </a:r>
           </a:p>
           <a:p>
+            <a:pPr algn="just"/>
             <a:endParaRPr lang="en-US" dirty="0"/>
           </a:p>
           <a:p>
+            <a:pPr algn="just"/>
             <a:r>
               <a:rPr lang="en-US" dirty="0"/>
               <a:t>Jill, who also uses the </a:t>
@@ -7745,56 +8538,25 @@
       </p:sp>
       <p:pic>
         <p:nvPicPr>
-          <p:cNvPr id="2049" name="Picture 1"/>
+          <p:cNvPr id="2" name="Picture 1"/>
           <p:cNvPicPr>
-            <a:picLocks noChangeAspect="1" noChangeArrowheads="1"/>
+            <a:picLocks noChangeAspect="1"/>
           </p:cNvPicPr>
           <p:nvPr/>
         </p:nvPicPr>
-        <p:blipFill>
-          <a:blip r:embed="rId2">
-            <a:extLst>
-              <a:ext uri="{28A0092B-C50C-407E-A947-70E740481C1C}">
-                <a14:useLocalDpi xmlns:a14="http://schemas.microsoft.com/office/drawing/2010/main" val="0"/>
-              </a:ext>
-            </a:extLst>
-          </a:blip>
-          <a:srcRect/>
-          <a:stretch>
-            <a:fillRect/>
-          </a:stretch>
+        <p:blipFill rotWithShape="1">
+          <a:blip r:embed="rId2"/>
+          <a:srcRect l="10452" r="9420" b="7446"/>
+          <a:stretch/>
         </p:blipFill>
-        <p:spPr bwMode="auto">
-          <a:xfrm rot="649880">
-            <a:off x="6553182" y="3363715"/>
-            <a:ext cx="1876425" cy="2870448"/>
-          </a:xfrm>
-          <a:prstGeom prst="rect">
-            <a:avLst/>
-          </a:prstGeom>
-          <a:noFill/>
-          <a:ln>
-            <a:noFill/>
-          </a:ln>
-          <a:extLst>
-            <a:ext uri="{909E8E84-426E-40DD-AFC4-6F175D3DCCD1}">
-              <a14:hiddenFill xmlns:a14="http://schemas.microsoft.com/office/drawing/2010/main">
-                <a:solidFill>
-                  <a:schemeClr val="accent1"/>
-                </a:solidFill>
-              </a14:hiddenFill>
-            </a:ext>
-            <a:ext uri="{91240B29-F687-4F45-9708-019B960494DF}">
-              <a14:hiddenLine xmlns:a14="http://schemas.microsoft.com/office/drawing/2010/main" w="9525">
-                <a:solidFill>
-                  <a:schemeClr val="tx1"/>
-                </a:solidFill>
-                <a:miter lim="800000"/>
-                <a:headEnd/>
-                <a:tailEnd/>
-              </a14:hiddenLine>
-            </a:ext>
-          </a:extLst>
+        <p:spPr>
+          <a:xfrm>
+            <a:off x="6804248" y="1153217"/>
+            <a:ext cx="2209989" cy="2779839"/>
+          </a:xfrm>
+          <a:prstGeom prst="rect">
+            <a:avLst/>
+          </a:prstGeom>
         </p:spPr>
       </p:pic>
     </p:spTree>
@@ -7807,6 +8569,13 @@
   <p:clrMapOvr>
     <a:masterClrMapping/>
   </p:clrMapOvr>
+  <p:timing>
+    <p:tnLst>
+      <p:par>
+        <p:cTn id="1" dur="indefinite" restart="never" nodeType="tmRoot"/>
+      </p:par>
+    </p:tnLst>
+  </p:timing>
 </p:sld>
 </file>
 

--- a/docs/Smart Office – Find My Colleges.pptx
+++ b/docs/Smart Office – Find My Colleges.pptx
@@ -11,11 +11,11 @@
     <p:sldId id="259" r:id="rId2"/>
     <p:sldId id="264" r:id="rId3"/>
     <p:sldId id="265" r:id="rId4"/>
-    <p:sldId id="266" r:id="rId5"/>
-    <p:sldId id="270" r:id="rId6"/>
+    <p:sldId id="272" r:id="rId5"/>
+    <p:sldId id="274" r:id="rId6"/>
     <p:sldId id="267" r:id="rId7"/>
     <p:sldId id="271" r:id="rId8"/>
-    <p:sldId id="268" r:id="rId9"/>
+    <p:sldId id="273" r:id="rId9"/>
   </p:sldIdLst>
   <p:sldSz cx="9144000" cy="6858000" type="screen4x3"/>
   <p:notesSz cx="6858000" cy="9144000"/>
@@ -116,7 +116,7 @@
   </p:defaultTextStyle>
   <p:extLst>
     <p:ext uri="{EFAFB233-063F-42B5-8137-9DF3F51BA10A}">
-      <p15:sldGuideLst xmlns:p15="http://schemas.microsoft.com/office/powerpoint/2012/main">
+      <p15:sldGuideLst xmlns:p15="http://schemas.microsoft.com/office/powerpoint/2012/main" xmlns="">
         <p15:guide id="1" orient="horz" pos="2160">
           <p15:clr>
             <a:srgbClr val="A4A3A4"/>
@@ -130,7 +130,7 @@
       </p15:sldGuideLst>
     </p:ext>
     <p:ext uri="{2D200454-40CA-4A62-9FC3-DE9A4176ACB9}">
-      <p15:notesGuideLst xmlns:p15="http://schemas.microsoft.com/office/powerpoint/2012/main">
+      <p15:notesGuideLst xmlns:p15="http://schemas.microsoft.com/office/powerpoint/2012/main" xmlns="">
         <p15:guide id="1" orient="horz" pos="2880">
           <p15:clr>
             <a:srgbClr val="A4A3A4"/>
@@ -230,7 +230,7 @@
             <a:fld id="{60FA3F3C-F71B-43A3-A083-D89CD1561240}" type="datetimeFigureOut">
               <a:rPr lang="de-DE" smtClean="0"/>
               <a:pPr/>
-              <a:t>11.03.2016</a:t>
+              <a:t>12.03.2016</a:t>
             </a:fld>
             <a:endParaRPr lang="de-DE"/>
           </a:p>
@@ -393,7 +393,7 @@
             <a:fld id="{CF0F33D9-9668-411F-B72E-E0644CC82AA0}" type="slidenum">
               <a:rPr lang="de-DE" smtClean="0"/>
               <a:pPr/>
-              <a:t>‹#›</a:t>
+              <a:t>‹Nr.›</a:t>
             </a:fld>
             <a:endParaRPr lang="de-DE"/>
           </a:p>
@@ -2212,7 +2212,7 @@
                 <a:cs typeface="Arial"/>
               </a:rPr>
               <a:pPr/>
-              <a:t>‹#›</a:t>
+              <a:t>‹Nr.›</a:t>
             </a:fld>
             <a:endParaRPr lang="en-US" sz="600" dirty="0">
               <a:solidFill>
@@ -2396,7 +2396,7 @@
                 <a:cs typeface="Arial"/>
               </a:rPr>
               <a:pPr/>
-              <a:t>‹#›</a:t>
+              <a:t>‹Nr.›</a:t>
             </a:fld>
             <a:endParaRPr lang="de-DE" sz="600" noProof="0">
               <a:solidFill>
@@ -3276,7 +3276,7 @@
                 <a:cs typeface="Arial"/>
               </a:rPr>
               <a:pPr/>
-              <a:t>‹#›</a:t>
+              <a:t>‹Nr.›</a:t>
             </a:fld>
             <a:endParaRPr lang="en-US" sz="600" dirty="0">
               <a:solidFill>
@@ -3962,7 +3962,7 @@
                 <a:cs typeface="Arial"/>
               </a:rPr>
               <a:pPr/>
-              <a:t>‹#›</a:t>
+              <a:t>‹Nr.›</a:t>
             </a:fld>
             <a:endParaRPr lang="en-US" sz="600" dirty="0">
               <a:solidFill>
@@ -4773,7 +4773,7 @@
                 <a:cs typeface="Arial"/>
               </a:rPr>
               <a:pPr/>
-              <a:t>‹#›</a:t>
+              <a:t>‹Nr.›</a:t>
             </a:fld>
             <a:endParaRPr lang="en-US" sz="600" dirty="0">
               <a:solidFill>
@@ -5543,29 +5543,6 @@
           <a:chExt cx="0" cy="0"/>
         </a:xfrm>
       </p:grpSpPr>
-      <p:pic>
-        <p:nvPicPr>
-          <p:cNvPr id="4" name="Picture 3"/>
-          <p:cNvPicPr>
-            <a:picLocks noChangeAspect="1"/>
-          </p:cNvPicPr>
-          <p:nvPr/>
-        </p:nvPicPr>
-        <p:blipFill rotWithShape="1">
-          <a:blip r:embed="rId2"/>
-          <a:srcRect l="13449" r="7823" b="6605"/>
-          <a:stretch/>
-        </p:blipFill>
-        <p:spPr>
-          <a:xfrm>
-            <a:off x="6012161" y="1470053"/>
-            <a:ext cx="3108888" cy="3943478"/>
-          </a:xfrm>
-          <a:prstGeom prst="rect">
-            <a:avLst/>
-          </a:prstGeom>
-        </p:spPr>
-      </p:pic>
       <p:sp>
         <p:nvSpPr>
           <p:cNvPr id="3" name="Text Placeholder 2"/>
@@ -5583,27 +5560,19 @@
           <a:p>
             <a:r>
               <a:rPr lang="de-DE" dirty="0" err="1" smtClean="0"/>
-              <a:t>Everyday</a:t>
+              <a:t>Jack‘s</a:t>
             </a:r>
             <a:r>
               <a:rPr lang="de-DE" dirty="0" smtClean="0"/>
-              <a:t> Story </a:t>
+              <a:t> </a:t>
             </a:r>
             <a:r>
               <a:rPr lang="de-DE" dirty="0" err="1" smtClean="0"/>
-              <a:t>of</a:t>
+              <a:t>Everday</a:t>
             </a:r>
             <a:r>
               <a:rPr lang="de-DE" dirty="0" smtClean="0"/>
-              <a:t> Jack </a:t>
-            </a:r>
-            <a:r>
-              <a:rPr lang="de-DE" dirty="0" err="1" smtClean="0"/>
-              <a:t>at</a:t>
-            </a:r>
-            <a:r>
-              <a:rPr lang="de-DE" dirty="0" smtClean="0"/>
-              <a:t> Work</a:t>
+              <a:t> Problem</a:t>
             </a:r>
             <a:endParaRPr lang="de-DE" dirty="0"/>
           </a:p>
@@ -5695,7 +5664,7 @@
           <p:nvPr/>
         </p:nvPicPr>
         <p:blipFill rotWithShape="1">
-          <a:blip r:embed="rId3">
+          <a:blip r:embed="rId2">
             <a:extLst>
               <a:ext uri="{28A0092B-C50C-407E-A947-70E740481C1C}">
                 <a14:useLocalDpi xmlns:a14="http://schemas.microsoft.com/office/drawing/2010/main" val="0"/>
@@ -5764,6 +5733,36 @@
           </a:p>
         </p:txBody>
       </p:sp>
+      <p:pic>
+        <p:nvPicPr>
+          <p:cNvPr id="6" name="Grafik 5"/>
+          <p:cNvPicPr>
+            <a:picLocks noChangeAspect="1"/>
+          </p:cNvPicPr>
+          <p:nvPr/>
+        </p:nvPicPr>
+        <p:blipFill>
+          <a:blip r:embed="rId3">
+            <a:extLst>
+              <a:ext uri="{28A0092B-C50C-407E-A947-70E740481C1C}">
+                <a14:useLocalDpi xmlns:a14="http://schemas.microsoft.com/office/drawing/2010/main" val="0"/>
+              </a:ext>
+            </a:extLst>
+          </a:blip>
+          <a:stretch>
+            <a:fillRect/>
+          </a:stretch>
+        </p:blipFill>
+        <p:spPr>
+          <a:xfrm>
+            <a:off x="6516216" y="2852936"/>
+            <a:ext cx="2769438" cy="3513385"/>
+          </a:xfrm>
+          <a:prstGeom prst="rect">
+            <a:avLst/>
+          </a:prstGeom>
+        </p:spPr>
+      </p:pic>
     </p:spTree>
     <p:extLst>
       <p:ext uri="{BB962C8B-B14F-4D97-AF65-F5344CB8AC3E}">
@@ -5941,11 +5940,7 @@
             <a:pPr algn="just"/>
             <a:r>
               <a:rPr lang="de-DE" dirty="0" smtClean="0"/>
-              <a:t>A soucre</a:t>
-            </a:r>
-            <a:r>
-              <a:rPr lang="de-DE" dirty="0" smtClean="0"/>
-              <a:t>:</a:t>
+              <a:t>A soucre:</a:t>
             </a:r>
           </a:p>
           <a:p>
@@ -6718,7 +6713,7 @@
         </p:blipFill>
         <p:spPr bwMode="auto">
           <a:xfrm>
-            <a:off x="611560" y="1052736"/>
+            <a:off x="539552" y="1004416"/>
             <a:ext cx="1071716" cy="768400"/>
           </a:xfrm>
           <a:prstGeom prst="rect">
@@ -6829,13 +6824,17 @@
               <a:t>Smart </a:t>
             </a:r>
             <a:r>
-              <a:rPr lang="de-DE" b="1" dirty="0"/>
-              <a:t>O</a:t>
-            </a:r>
-            <a:r>
               <a:rPr lang="de-DE" b="1" dirty="0" smtClean="0"/>
-              <a:t>ffice </a:t>
-            </a:r>
+              <a:t>Office</a:t>
+            </a:r>
+            <a:br>
+              <a:rPr lang="de-DE" b="1" dirty="0" smtClean="0"/>
+            </a:br>
+            <a:r>
+              <a:rPr lang="de-DE" b="1" dirty="0" smtClean="0"/>
+              <a:t>App </a:t>
+            </a:r>
+            <a:endParaRPr lang="de-DE" b="1" dirty="0" smtClean="0"/>
           </a:p>
         </p:txBody>
       </p:sp>
@@ -6847,7 +6846,7 @@
         </p:nvSpPr>
         <p:spPr>
           <a:xfrm>
-            <a:off x="5614611" y="1583558"/>
+            <a:off x="4860032" y="1583558"/>
             <a:ext cx="1800200" cy="792088"/>
           </a:xfrm>
           <a:prstGeom prst="rect">
@@ -6888,7 +6887,7 @@
         </p:nvSpPr>
         <p:spPr>
           <a:xfrm>
-            <a:off x="5614610" y="3311757"/>
+            <a:off x="4841277" y="3311757"/>
             <a:ext cx="1837709" cy="792088"/>
           </a:xfrm>
           <a:prstGeom prst="rect">
@@ -6916,11 +6915,18 @@
             <a:pPr algn="ctr"/>
             <a:r>
               <a:rPr lang="de-DE" dirty="0" err="1" smtClean="0"/>
-              <a:t>Beacons</a:t>
-            </a:r>
+              <a:t>iBeacons</a:t>
+            </a:r>
+            <a:r>
+              <a:rPr lang="de-DE" dirty="0"/>
+              <a:t/>
+            </a:r>
+            <a:br>
+              <a:rPr lang="de-DE" dirty="0"/>
+            </a:br>
             <a:r>
               <a:rPr lang="de-DE" dirty="0" smtClean="0"/>
-              <a:t>/ Low </a:t>
+              <a:t>Low </a:t>
             </a:r>
             <a:r>
               <a:rPr lang="de-DE" dirty="0" err="1"/>
@@ -7026,7 +7032,7 @@
         <p:spPr>
           <a:xfrm>
             <a:off x="3131840" y="3707801"/>
-            <a:ext cx="2482770" cy="0"/>
+            <a:ext cx="1709437" cy="0"/>
           </a:xfrm>
           <a:prstGeom prst="straightConnector1">
             <a:avLst/>
@@ -7097,9 +7103,9 @@
           <p:nvPr/>
         </p:nvCxnSpPr>
         <p:spPr>
-          <a:xfrm flipH="1" flipV="1">
-            <a:off x="6514711" y="2375646"/>
-            <a:ext cx="18754" cy="936111"/>
+          <a:xfrm flipV="1">
+            <a:off x="5760132" y="2375646"/>
+            <a:ext cx="0" cy="936111"/>
           </a:xfrm>
           <a:prstGeom prst="straightConnector1">
             <a:avLst/>
@@ -7125,47 +7131,6 @@
       </p:cxnSp>
       <p:pic>
         <p:nvPicPr>
-          <p:cNvPr id="3078" name="Picture 6" descr="C:\Users\KUNTIR\Desktop\Hackathon\5909728539_a9cd83618e_o.jpg"/>
-          <p:cNvPicPr>
-            <a:picLocks noChangeAspect="1" noChangeArrowheads="1"/>
-          </p:cNvPicPr>
-          <p:nvPr/>
-        </p:nvPicPr>
-        <p:blipFill>
-          <a:blip r:embed="rId3" cstate="print">
-            <a:extLst>
-              <a:ext uri="{28A0092B-C50C-407E-A947-70E740481C1C}">
-                <a14:useLocalDpi xmlns:a14="http://schemas.microsoft.com/office/drawing/2010/main" val="0"/>
-              </a:ext>
-            </a:extLst>
-          </a:blip>
-          <a:srcRect/>
-          <a:stretch>
-            <a:fillRect/>
-          </a:stretch>
-        </p:blipFill>
-        <p:spPr bwMode="auto">
-          <a:xfrm>
-            <a:off x="7452320" y="1007495"/>
-            <a:ext cx="1296144" cy="972107"/>
-          </a:xfrm>
-          <a:prstGeom prst="rect">
-            <a:avLst/>
-          </a:prstGeom>
-          <a:noFill/>
-          <a:extLst>
-            <a:ext uri="{909E8E84-426E-40DD-AFC4-6F175D3DCCD1}">
-              <a14:hiddenFill xmlns:a14="http://schemas.microsoft.com/office/drawing/2010/main">
-                <a:solidFill>
-                  <a:srgbClr val="FFFFFF"/>
-                </a:solidFill>
-              </a14:hiddenFill>
-            </a:ext>
-          </a:extLst>
-        </p:spPr>
-      </p:pic>
-      <p:pic>
-        <p:nvPicPr>
           <p:cNvPr id="3079" name="Picture 7"/>
           <p:cNvPicPr>
             <a:picLocks noChangeAspect="1" noChangeArrowheads="1"/>
@@ -7173,7 +7138,7 @@
           <p:nvPr/>
         </p:nvPicPr>
         <p:blipFill rotWithShape="1">
-          <a:blip r:embed="rId4">
+          <a:blip r:embed="rId3">
             <a:extLst>
               <a:ext uri="{28A0092B-C50C-407E-A947-70E740481C1C}">
                 <a14:useLocalDpi xmlns:a14="http://schemas.microsoft.com/office/drawing/2010/main" val="0"/>
@@ -7225,7 +7190,7 @@
           <p:nvPr/>
         </p:nvPicPr>
         <p:blipFill>
-          <a:blip r:embed="rId5" cstate="print">
+          <a:blip r:embed="rId4" cstate="print">
             <a:extLst>
               <a:ext uri="{28A0092B-C50C-407E-A947-70E740481C1C}">
                 <a14:useLocalDpi xmlns:a14="http://schemas.microsoft.com/office/drawing/2010/main" val="0"/>
@@ -7239,7 +7204,7 @@
         </p:blipFill>
         <p:spPr bwMode="auto">
           <a:xfrm>
-            <a:off x="7737340" y="3707801"/>
+            <a:off x="7092280" y="3441604"/>
             <a:ext cx="379924" cy="532394"/>
           </a:xfrm>
           <a:prstGeom prst="rect">
@@ -7272,13 +7237,43 @@
       </p:pic>
       <p:pic>
         <p:nvPicPr>
-          <p:cNvPr id="2" name="Picture 1"/>
+          <p:cNvPr id="7" name="Grafik 6"/>
           <p:cNvPicPr>
             <a:picLocks noChangeAspect="1"/>
           </p:cNvPicPr>
           <p:nvPr/>
         </p:nvPicPr>
-        <p:blipFill rotWithShape="1">
+        <p:blipFill>
+          <a:blip r:embed="rId5" cstate="print">
+            <a:extLst>
+              <a:ext uri="{28A0092B-C50C-407E-A947-70E740481C1C}">
+                <a14:useLocalDpi xmlns:a14="http://schemas.microsoft.com/office/drawing/2010/main" val="0"/>
+              </a:ext>
+            </a:extLst>
+          </a:blip>
+          <a:stretch>
+            <a:fillRect/>
+          </a:stretch>
+        </p:blipFill>
+        <p:spPr>
+          <a:xfrm>
+            <a:off x="341590" y="4211347"/>
+            <a:ext cx="1341686" cy="599566"/>
+          </a:xfrm>
+          <a:prstGeom prst="rect">
+            <a:avLst/>
+          </a:prstGeom>
+        </p:spPr>
+      </p:pic>
+      <p:pic>
+        <p:nvPicPr>
+          <p:cNvPr id="13" name="Grafik 12"/>
+          <p:cNvPicPr>
+            <a:picLocks noChangeAspect="1"/>
+          </p:cNvPicPr>
+          <p:nvPr/>
+        </p:nvPicPr>
+        <p:blipFill>
           <a:blip r:embed="rId6" cstate="print">
             <a:extLst>
               <a:ext uri="{28A0092B-C50C-407E-A947-70E740481C1C}">
@@ -7286,13 +7281,14 @@
               </a:ext>
             </a:extLst>
           </a:blip>
-          <a:srcRect l="36614" t="3608" r="34907" b="8087"/>
-          <a:stretch/>
+          <a:stretch>
+            <a:fillRect/>
+          </a:stretch>
         </p:blipFill>
         <p:spPr>
           <a:xfrm>
-            <a:off x="7497763" y="3091104"/>
-            <a:ext cx="647980" cy="616697"/>
+            <a:off x="328753" y="4907263"/>
+            <a:ext cx="1823864" cy="455966"/>
           </a:xfrm>
           <a:prstGeom prst="rect">
             <a:avLst/>
@@ -7301,36 +7297,158 @@
       </p:pic>
       <p:pic>
         <p:nvPicPr>
-          <p:cNvPr id="19" name="Picture 18"/>
+          <p:cNvPr id="15" name="Grafik 14"/>
           <p:cNvPicPr>
             <a:picLocks noChangeAspect="1"/>
           </p:cNvPicPr>
           <p:nvPr/>
         </p:nvPicPr>
-        <p:blipFill rotWithShape="1">
-          <a:blip r:embed="rId7"/>
-          <a:srcRect l="1225"/>
-          <a:stretch/>
+        <p:blipFill>
+          <a:blip r:embed="rId7" cstate="print">
+            <a:extLst>
+              <a:ext uri="{28A0092B-C50C-407E-A947-70E740481C1C}">
+                <a14:useLocalDpi xmlns:a14="http://schemas.microsoft.com/office/drawing/2010/main" val="0"/>
+              </a:ext>
+            </a:extLst>
+          </a:blip>
+          <a:stretch>
+            <a:fillRect/>
+          </a:stretch>
         </p:blipFill>
         <p:spPr>
-          <a:xfrm flipH="1">
-            <a:off x="359219" y="4112160"/>
-            <a:ext cx="1255272" cy="810840"/>
-          </a:xfrm>
-          <a:prstGeom prst="rect">
-            <a:avLst/>
-          </a:prstGeom>
-          <a:ln w="3175">
-            <a:solidFill>
-              <a:schemeClr val="tx1"/>
-            </a:solidFill>
-          </a:ln>
+          <a:xfrm>
+            <a:off x="1826464" y="773006"/>
+            <a:ext cx="810552" cy="810552"/>
+          </a:xfrm>
+          <a:prstGeom prst="rect">
+            <a:avLst/>
+          </a:prstGeom>
+        </p:spPr>
+      </p:pic>
+      <p:pic>
+        <p:nvPicPr>
+          <p:cNvPr id="17" name="Grafik 16"/>
+          <p:cNvPicPr>
+            <a:picLocks noChangeAspect="1"/>
+          </p:cNvPicPr>
+          <p:nvPr/>
+        </p:nvPicPr>
+        <p:blipFill>
+          <a:blip r:embed="rId8" cstate="print">
+            <a:extLst>
+              <a:ext uri="{28A0092B-C50C-407E-A947-70E740481C1C}">
+                <a14:useLocalDpi xmlns:a14="http://schemas.microsoft.com/office/drawing/2010/main" val="0"/>
+              </a:ext>
+            </a:extLst>
+          </a:blip>
+          <a:stretch>
+            <a:fillRect/>
+          </a:stretch>
+        </p:blipFill>
+        <p:spPr>
+          <a:xfrm>
+            <a:off x="2686989" y="836712"/>
+            <a:ext cx="1258812" cy="694517"/>
+          </a:xfrm>
+          <a:prstGeom prst="rect">
+            <a:avLst/>
+          </a:prstGeom>
+        </p:spPr>
+      </p:pic>
+      <p:pic>
+        <p:nvPicPr>
+          <p:cNvPr id="19" name="Grafik 18"/>
+          <p:cNvPicPr>
+            <a:picLocks noChangeAspect="1"/>
+          </p:cNvPicPr>
+          <p:nvPr/>
+        </p:nvPicPr>
+        <p:blipFill>
+          <a:blip r:embed="rId9" cstate="print">
+            <a:extLst>
+              <a:ext uri="{28A0092B-C50C-407E-A947-70E740481C1C}">
+                <a14:useLocalDpi xmlns:a14="http://schemas.microsoft.com/office/drawing/2010/main" val="0"/>
+              </a:ext>
+            </a:extLst>
+          </a:blip>
+          <a:stretch>
+            <a:fillRect/>
+          </a:stretch>
+        </p:blipFill>
+        <p:spPr>
+          <a:xfrm>
+            <a:off x="6804248" y="1088740"/>
+            <a:ext cx="2232248" cy="1674186"/>
+          </a:xfrm>
+          <a:prstGeom prst="rect">
+            <a:avLst/>
+          </a:prstGeom>
+        </p:spPr>
+      </p:pic>
+      <p:pic>
+        <p:nvPicPr>
+          <p:cNvPr id="23" name="Grafik 22"/>
+          <p:cNvPicPr>
+            <a:picLocks noChangeAspect="1"/>
+          </p:cNvPicPr>
+          <p:nvPr/>
+        </p:nvPicPr>
+        <p:blipFill>
+          <a:blip r:embed="rId10" cstate="print">
+            <a:extLst>
+              <a:ext uri="{28A0092B-C50C-407E-A947-70E740481C1C}">
+                <a14:useLocalDpi xmlns:a14="http://schemas.microsoft.com/office/drawing/2010/main" val="0"/>
+              </a:ext>
+            </a:extLst>
+          </a:blip>
+          <a:stretch>
+            <a:fillRect/>
+          </a:stretch>
+        </p:blipFill>
+        <p:spPr>
+          <a:xfrm>
+            <a:off x="164744" y="3081486"/>
+            <a:ext cx="980728" cy="980728"/>
+          </a:xfrm>
+          <a:prstGeom prst="rect">
+            <a:avLst/>
+          </a:prstGeom>
+        </p:spPr>
+      </p:pic>
+      <p:pic>
+        <p:nvPicPr>
+          <p:cNvPr id="24" name="Grafik 23"/>
+          <p:cNvPicPr>
+            <a:picLocks noChangeAspect="1"/>
+          </p:cNvPicPr>
+          <p:nvPr/>
+        </p:nvPicPr>
+        <p:blipFill>
+          <a:blip r:embed="rId11">
+            <a:extLst>
+              <a:ext uri="{28A0092B-C50C-407E-A947-70E740481C1C}">
+                <a14:useLocalDpi xmlns:a14="http://schemas.microsoft.com/office/drawing/2010/main" val="0"/>
+              </a:ext>
+            </a:extLst>
+          </a:blip>
+          <a:stretch>
+            <a:fillRect/>
+          </a:stretch>
+        </p:blipFill>
+        <p:spPr>
+          <a:xfrm>
+            <a:off x="6358796" y="4959431"/>
+            <a:ext cx="1466968" cy="1466968"/>
+          </a:xfrm>
+          <a:prstGeom prst="rect">
+            <a:avLst/>
+          </a:prstGeom>
         </p:spPr>
       </p:pic>
     </p:spTree>
     <p:extLst>
       <p:ext uri="{BB962C8B-B14F-4D97-AF65-F5344CB8AC3E}">
-        <p14:creationId xmlns:p14="http://schemas.microsoft.com/office/powerpoint/2010/main" val="202914171"/>
+        <p14:creationId xmlns:p14="http://schemas.microsoft.com/office/powerpoint/2010/main" val="793708927"/>
       </p:ext>
     </p:extLst>
   </p:cSld>
@@ -7387,6 +7505,36 @@
           </a:p>
         </p:txBody>
       </p:sp>
+      <p:pic>
+        <p:nvPicPr>
+          <p:cNvPr id="2" name="Grafik 1"/>
+          <p:cNvPicPr>
+            <a:picLocks noChangeAspect="1"/>
+          </p:cNvPicPr>
+          <p:nvPr/>
+        </p:nvPicPr>
+        <p:blipFill>
+          <a:blip r:embed="rId2" cstate="print">
+            <a:extLst>
+              <a:ext uri="{28A0092B-C50C-407E-A947-70E740481C1C}">
+                <a14:useLocalDpi xmlns:a14="http://schemas.microsoft.com/office/drawing/2010/main" val="0"/>
+              </a:ext>
+            </a:extLst>
+          </a:blip>
+          <a:stretch>
+            <a:fillRect/>
+          </a:stretch>
+        </p:blipFill>
+        <p:spPr>
+          <a:xfrm>
+            <a:off x="0" y="692696"/>
+            <a:ext cx="9144000" cy="6024331"/>
+          </a:xfrm>
+          <a:prstGeom prst="rect">
+            <a:avLst/>
+          </a:prstGeom>
+        </p:spPr>
+      </p:pic>
       <p:sp>
         <p:nvSpPr>
           <p:cNvPr id="4" name="TextBox 3"/>
@@ -7395,13 +7543,17 @@
         </p:nvSpPr>
         <p:spPr>
           <a:xfrm>
-            <a:off x="1259632" y="1268760"/>
-            <a:ext cx="5760640" cy="2585323"/>
-          </a:xfrm>
-          <a:prstGeom prst="rect">
-            <a:avLst/>
-          </a:prstGeom>
-          <a:noFill/>
+            <a:off x="1187624" y="934013"/>
+            <a:ext cx="7056784" cy="3662541"/>
+          </a:xfrm>
+          <a:prstGeom prst="rect">
+            <a:avLst/>
+          </a:prstGeom>
+          <a:solidFill>
+            <a:srgbClr val="FFFFFF">
+              <a:alpha val="50196"/>
+            </a:srgbClr>
+          </a:solidFill>
         </p:spPr>
         <p:txBody>
           <a:bodyPr wrap="square" rtlCol="0">
@@ -7409,205 +7561,211 @@
           </a:bodyPr>
           <a:lstStyle/>
           <a:p>
-            <a:pPr algn="just"/>
-            <a:r>
-              <a:rPr lang="de-DE" dirty="0" smtClean="0"/>
-              <a:t>Smart Office :</a:t>
-            </a:r>
-          </a:p>
-          <a:p>
-            <a:pPr algn="just"/>
-            <a:endParaRPr lang="de-DE" dirty="0" smtClean="0"/>
-          </a:p>
-          <a:p>
-            <a:pPr marL="285750" indent="-285750" algn="just">
+            <a:r>
+              <a:rPr lang="de-DE" sz="2400" b="1" dirty="0" err="1" smtClean="0"/>
+              <a:t>SmartOffice</a:t>
+            </a:r>
+            <a:endParaRPr lang="de-DE" sz="2400" b="1" dirty="0" smtClean="0"/>
+          </a:p>
+          <a:p>
+            <a:endParaRPr lang="de-DE" sz="2400" dirty="0" smtClean="0"/>
+          </a:p>
+          <a:p>
+            <a:pPr marL="285750" indent="-285750">
               <a:buFont typeface="Wingdings" panose="05000000000000000000" pitchFamily="2" charset="2"/>
               <a:buChar char="ü"/>
             </a:pPr>
             <a:r>
-              <a:rPr lang="en-US" dirty="0" smtClean="0"/>
-              <a:t>is</a:t>
-            </a:r>
-            <a:r>
-              <a:rPr lang="de-DE" dirty="0" smtClean="0"/>
-              <a:t> a mobile/web </a:t>
-            </a:r>
-            <a:r>
-              <a:rPr lang="de-DE" dirty="0" err="1" smtClean="0"/>
+              <a:rPr lang="de-DE" sz="2400" dirty="0" smtClean="0"/>
+              <a:t>mobile/web </a:t>
+            </a:r>
+            <a:r>
+              <a:rPr lang="de-DE" sz="2400" dirty="0" err="1" smtClean="0"/>
               <a:t>application</a:t>
             </a:r>
-            <a:endParaRPr lang="de-DE" dirty="0" smtClean="0"/>
-          </a:p>
-          <a:p>
-            <a:pPr marL="285750" indent="-285750" algn="just">
+            <a:endParaRPr lang="de-DE" sz="2400" dirty="0" smtClean="0"/>
+          </a:p>
+          <a:p>
+            <a:pPr marL="285750" indent="-285750">
               <a:buFont typeface="Wingdings" panose="05000000000000000000" pitchFamily="2" charset="2"/>
               <a:buChar char="ü"/>
             </a:pPr>
             <a:r>
-              <a:rPr lang="de-DE" dirty="0" err="1" smtClean="0"/>
-              <a:t>is</a:t>
-            </a:r>
-            <a:r>
-              <a:rPr lang="de-DE" dirty="0" smtClean="0"/>
-              <a:t> </a:t>
-            </a:r>
-            <a:r>
-              <a:rPr lang="de-DE" dirty="0" err="1" smtClean="0"/>
+              <a:rPr lang="de-DE" sz="2400" dirty="0" err="1" smtClean="0"/>
               <a:t>pla</a:t>
             </a:r>
             <a:r>
-              <a:rPr lang="en-US" dirty="0" smtClean="0"/>
+              <a:rPr lang="en-US" sz="2400" dirty="0" smtClean="0"/>
               <a:t>t</a:t>
             </a:r>
             <a:r>
-              <a:rPr lang="de-DE" dirty="0" smtClean="0"/>
+              <a:rPr lang="de-DE" sz="2400" dirty="0" smtClean="0"/>
               <a:t>form independent</a:t>
             </a:r>
           </a:p>
           <a:p>
-            <a:pPr marL="285750" indent="-285750" algn="just">
+            <a:pPr marL="285750" indent="-285750">
               <a:buFont typeface="Wingdings" panose="05000000000000000000" pitchFamily="2" charset="2"/>
               <a:buChar char="ü"/>
             </a:pPr>
             <a:r>
-              <a:rPr lang="de-DE" dirty="0" err="1" smtClean="0"/>
+              <a:rPr lang="de-DE" sz="2400" dirty="0" err="1" smtClean="0"/>
               <a:t>has</a:t>
             </a:r>
             <a:r>
-              <a:rPr lang="de-DE" dirty="0" smtClean="0"/>
+              <a:rPr lang="de-DE" sz="2400" dirty="0" smtClean="0"/>
               <a:t> </a:t>
             </a:r>
             <a:r>
-              <a:rPr lang="de-DE" dirty="0" err="1" smtClean="0"/>
+              <a:rPr lang="de-DE" sz="2400" dirty="0" err="1" smtClean="0"/>
+              <a:t>indoor</a:t>
+            </a:r>
+            <a:r>
+              <a:rPr lang="de-DE" sz="2400" dirty="0" smtClean="0"/>
+              <a:t> </a:t>
+            </a:r>
+            <a:r>
+              <a:rPr lang="de-DE" sz="2400" dirty="0" err="1" smtClean="0"/>
               <a:t>location</a:t>
             </a:r>
             <a:r>
-              <a:rPr lang="de-DE" dirty="0" smtClean="0"/>
+              <a:rPr lang="de-DE" sz="2400" dirty="0" smtClean="0"/>
               <a:t> </a:t>
             </a:r>
             <a:r>
-              <a:rPr lang="de-DE" dirty="0" err="1" smtClean="0"/>
+              <a:rPr lang="de-DE" sz="2400" dirty="0" err="1" smtClean="0"/>
               <a:t>tracking</a:t>
             </a:r>
-            <a:endParaRPr lang="de-DE" dirty="0" smtClean="0"/>
-          </a:p>
-          <a:p>
-            <a:pPr marL="285750" indent="-285750" algn="just">
+            <a:endParaRPr lang="de-DE" sz="2400" dirty="0" smtClean="0"/>
+          </a:p>
+          <a:p>
+            <a:pPr marL="285750" indent="-285750">
               <a:buFont typeface="Wingdings" panose="05000000000000000000" pitchFamily="2" charset="2"/>
               <a:buChar char="ü"/>
             </a:pPr>
             <a:r>
-              <a:rPr lang="de-DE" dirty="0" err="1" smtClean="0"/>
+              <a:rPr lang="de-DE" sz="2400" dirty="0" err="1" smtClean="0"/>
               <a:t>requires</a:t>
             </a:r>
             <a:r>
-              <a:rPr lang="de-DE" dirty="0" smtClean="0"/>
+              <a:rPr lang="de-DE" sz="2400" dirty="0" smtClean="0"/>
               <a:t> </a:t>
             </a:r>
             <a:r>
-              <a:rPr lang="de-DE" dirty="0" err="1" smtClean="0"/>
+              <a:rPr lang="de-DE" sz="2400" dirty="0" err="1" smtClean="0"/>
               <a:t>no</a:t>
             </a:r>
             <a:r>
-              <a:rPr lang="de-DE" dirty="0" smtClean="0"/>
+              <a:rPr lang="de-DE" sz="2400" dirty="0" smtClean="0"/>
               <a:t> </a:t>
             </a:r>
             <a:r>
-              <a:rPr lang="de-DE" dirty="0" err="1" smtClean="0"/>
+              <a:rPr lang="de-DE" sz="2400" dirty="0" err="1" smtClean="0"/>
               <a:t>user</a:t>
             </a:r>
             <a:r>
-              <a:rPr lang="de-DE" dirty="0" smtClean="0"/>
+              <a:rPr lang="de-DE" sz="2400" dirty="0" smtClean="0"/>
               <a:t> </a:t>
             </a:r>
             <a:r>
-              <a:rPr lang="de-DE" dirty="0" err="1" smtClean="0"/>
+              <a:rPr lang="de-DE" sz="2400" dirty="0" err="1" smtClean="0"/>
               <a:t>input</a:t>
             </a:r>
             <a:r>
-              <a:rPr lang="de-DE" dirty="0" smtClean="0"/>
+              <a:rPr lang="de-DE" sz="2400" dirty="0" smtClean="0"/>
               <a:t> </a:t>
             </a:r>
           </a:p>
           <a:p>
-            <a:pPr marL="285750" indent="-285750" algn="just">
+            <a:pPr marL="285750" indent="-285750">
               <a:buFont typeface="Wingdings" panose="05000000000000000000" pitchFamily="2" charset="2"/>
               <a:buChar char="ü"/>
             </a:pPr>
             <a:r>
-              <a:rPr lang="de-DE" dirty="0" err="1" smtClean="0"/>
-              <a:t>has</a:t>
-            </a:r>
-            <a:r>
-              <a:rPr lang="de-DE" dirty="0" smtClean="0"/>
+              <a:rPr lang="de-DE" sz="2400" dirty="0" err="1" smtClean="0"/>
+              <a:t>is</a:t>
+            </a:r>
+            <a:r>
+              <a:rPr lang="de-DE" sz="2400" dirty="0" smtClean="0"/>
               <a:t> </a:t>
             </a:r>
             <a:r>
-              <a:rPr lang="de-DE" dirty="0" err="1" smtClean="0"/>
-              <a:t>indoor</a:t>
-            </a:r>
-            <a:r>
-              <a:rPr lang="de-DE" dirty="0" smtClean="0"/>
+              <a:rPr lang="de-DE" sz="2400" dirty="0" err="1" smtClean="0"/>
+              <a:t>cost</a:t>
+            </a:r>
+            <a:r>
+              <a:rPr lang="de-DE" sz="2400" dirty="0" smtClean="0"/>
               <a:t> </a:t>
             </a:r>
             <a:r>
-              <a:rPr lang="de-DE" dirty="0" err="1" smtClean="0"/>
-              <a:t>navigation</a:t>
-            </a:r>
-            <a:endParaRPr lang="de-DE" dirty="0"/>
-          </a:p>
-          <a:p>
-            <a:pPr marL="285750" indent="-285750" algn="just">
+              <a:rPr lang="de-DE" sz="2400" dirty="0" err="1" smtClean="0"/>
+              <a:t>effective</a:t>
+            </a:r>
+            <a:r>
+              <a:rPr lang="de-DE" sz="2400" dirty="0" smtClean="0"/>
+              <a:t> </a:t>
+            </a:r>
+            <a:r>
+              <a:rPr lang="de-DE" sz="2400" dirty="0" err="1" smtClean="0"/>
+              <a:t>solution</a:t>
+            </a:r>
+            <a:endParaRPr lang="de-DE" sz="2400" dirty="0" smtClean="0"/>
+          </a:p>
+          <a:p>
+            <a:pPr marL="285750" indent="-285750">
               <a:buFont typeface="Wingdings" panose="05000000000000000000" pitchFamily="2" charset="2"/>
               <a:buChar char="ü"/>
             </a:pPr>
             <a:r>
-              <a:rPr lang="de-DE" dirty="0" err="1"/>
-              <a:t>i</a:t>
-            </a:r>
-            <a:r>
-              <a:rPr lang="de-DE" dirty="0" err="1" smtClean="0"/>
-              <a:t>s</a:t>
-            </a:r>
-            <a:r>
-              <a:rPr lang="de-DE" dirty="0" smtClean="0"/>
-              <a:t> </a:t>
-            </a:r>
-            <a:r>
-              <a:rPr lang="de-DE" dirty="0" err="1" smtClean="0"/>
-              <a:t>cost</a:t>
-            </a:r>
-            <a:r>
-              <a:rPr lang="de-DE" dirty="0" smtClean="0"/>
-              <a:t> </a:t>
-            </a:r>
-            <a:r>
-              <a:rPr lang="de-DE" dirty="0" err="1" smtClean="0"/>
-              <a:t>effective</a:t>
-            </a:r>
-            <a:r>
-              <a:rPr lang="de-DE" dirty="0" smtClean="0"/>
-              <a:t> </a:t>
-            </a:r>
-            <a:r>
-              <a:rPr lang="de-DE" dirty="0" err="1" smtClean="0"/>
-              <a:t>solution</a:t>
-            </a:r>
-            <a:endParaRPr lang="de-DE" dirty="0" smtClean="0"/>
-          </a:p>
-          <a:p>
-            <a:pPr marL="285750" indent="-285750" algn="just">
+              <a:rPr lang="de-DE" sz="2400" dirty="0" smtClean="0"/>
+              <a:t>time </a:t>
+            </a:r>
+            <a:r>
+              <a:rPr lang="de-DE" sz="2400" dirty="0" err="1" smtClean="0"/>
+              <a:t>saver</a:t>
+            </a:r>
+            <a:endParaRPr lang="de-DE" sz="2400" dirty="0" smtClean="0"/>
+          </a:p>
+          <a:p>
+            <a:pPr marL="285750" indent="-285750">
               <a:buFont typeface="Wingdings" panose="05000000000000000000" pitchFamily="2" charset="2"/>
               <a:buChar char="ü"/>
             </a:pPr>
-            <a:endParaRPr lang="de-DE" dirty="0" smtClean="0"/>
+            <a:r>
+              <a:rPr lang="de-DE" sz="2400" dirty="0" err="1" smtClean="0"/>
+              <a:t>supports</a:t>
+            </a:r>
+            <a:r>
+              <a:rPr lang="de-DE" sz="2400" dirty="0" smtClean="0"/>
+              <a:t> </a:t>
+            </a:r>
+            <a:r>
+              <a:rPr lang="de-DE" sz="2400" dirty="0" err="1" smtClean="0"/>
+              <a:t>social</a:t>
+            </a:r>
+            <a:r>
+              <a:rPr lang="de-DE" sz="2400" dirty="0" smtClean="0"/>
+              <a:t> </a:t>
+            </a:r>
+            <a:r>
+              <a:rPr lang="de-DE" sz="2400" dirty="0" err="1" smtClean="0"/>
+              <a:t>interaction</a:t>
+            </a:r>
+            <a:endParaRPr lang="de-DE" sz="1400" dirty="0" smtClean="0"/>
+          </a:p>
+          <a:p>
+            <a:pPr marL="285750" indent="-285750">
+              <a:buFont typeface="Wingdings" panose="05000000000000000000" pitchFamily="2" charset="2"/>
+              <a:buChar char="ü"/>
+            </a:pPr>
+            <a:endParaRPr lang="de-DE" sz="1400" dirty="0" smtClean="0"/>
           </a:p>
         </p:txBody>
       </p:sp>
     </p:spTree>
     <p:extLst>
       <p:ext uri="{BB962C8B-B14F-4D97-AF65-F5344CB8AC3E}">
-        <p14:creationId xmlns:p14="http://schemas.microsoft.com/office/powerpoint/2010/main" val="2864134988"/>
+        <p14:creationId xmlns:p14="http://schemas.microsoft.com/office/powerpoint/2010/main" val="2324194356"/>
       </p:ext>
     </p:extLst>
   </p:cSld>
@@ -8417,6 +8575,35 @@
           <a:chExt cx="0" cy="0"/>
         </a:xfrm>
       </p:grpSpPr>
+      <p:pic>
+        <p:nvPicPr>
+          <p:cNvPr id="2" name="Grafik 1"/>
+          <p:cNvPicPr>
+            <a:picLocks noChangeAspect="1"/>
+          </p:cNvPicPr>
+          <p:nvPr/>
+        </p:nvPicPr>
+        <p:blipFill rotWithShape="1">
+          <a:blip r:embed="rId2" cstate="print">
+            <a:extLst>
+              <a:ext uri="{28A0092B-C50C-407E-A947-70E740481C1C}">
+                <a14:useLocalDpi xmlns:a14="http://schemas.microsoft.com/office/drawing/2010/main" val="0"/>
+              </a:ext>
+            </a:extLst>
+          </a:blip>
+          <a:srcRect l="-4556" r="11091"/>
+          <a:stretch/>
+        </p:blipFill>
+        <p:spPr>
+          <a:xfrm>
+            <a:off x="-468559" y="692696"/>
+            <a:ext cx="9612560" cy="6048672"/>
+          </a:xfrm>
+          <a:prstGeom prst="rect">
+            <a:avLst/>
+          </a:prstGeom>
+        </p:spPr>
+      </p:pic>
       <p:sp>
         <p:nvSpPr>
           <p:cNvPr id="3" name="Text Placeholder 2"/>
@@ -8446,14 +8633,61 @@
       </p:sp>
       <p:sp>
         <p:nvSpPr>
+          <p:cNvPr id="4" name="Rechteck 3"/>
+          <p:cNvSpPr/>
+          <p:nvPr/>
+        </p:nvSpPr>
+        <p:spPr>
+          <a:xfrm>
+            <a:off x="0" y="692696"/>
+            <a:ext cx="4139952" cy="6048672"/>
+          </a:xfrm>
+          <a:prstGeom prst="rect">
+            <a:avLst/>
+          </a:prstGeom>
+          <a:solidFill>
+            <a:srgbClr val="FFFFFF">
+              <a:alpha val="80000"/>
+            </a:srgbClr>
+          </a:solidFill>
+          <a:ln>
+            <a:noFill/>
+          </a:ln>
+          <a:effectLst/>
+        </p:spPr>
+        <p:style>
+          <a:lnRef idx="1">
+            <a:schemeClr val="accent1"/>
+          </a:lnRef>
+          <a:fillRef idx="3">
+            <a:schemeClr val="accent1"/>
+          </a:fillRef>
+          <a:effectRef idx="2">
+            <a:schemeClr val="accent1"/>
+          </a:effectRef>
+          <a:fontRef idx="minor">
+            <a:schemeClr val="lt1"/>
+          </a:fontRef>
+        </p:style>
+        <p:txBody>
+          <a:bodyPr rtlCol="0" anchor="ctr"/>
+          <a:lstStyle/>
+          <a:p>
+            <a:pPr algn="ctr"/>
+            <a:endParaRPr lang="de-DE"/>
+          </a:p>
+        </p:txBody>
+      </p:sp>
+      <p:sp>
+        <p:nvSpPr>
           <p:cNvPr id="5" name="Rectangle 4"/>
           <p:cNvSpPr/>
           <p:nvPr/>
         </p:nvSpPr>
         <p:spPr>
           <a:xfrm>
-            <a:off x="539552" y="1052736"/>
-            <a:ext cx="6264696" cy="3139321"/>
+            <a:off x="323528" y="836712"/>
+            <a:ext cx="3672408" cy="5355312"/>
           </a:xfrm>
           <a:prstGeom prst="rect">
             <a:avLst/>
@@ -8465,7 +8699,6 @@
           </a:bodyPr>
           <a:lstStyle/>
           <a:p>
-            <a:pPr algn="just"/>
             <a:r>
               <a:rPr lang="en-US" dirty="0"/>
               <a:t>It is </a:t>
@@ -8476,7 +8709,15 @@
             </a:r>
             <a:r>
               <a:rPr lang="en-US" dirty="0"/>
-              <a:t>morning. Jack was stuck in a traffic jam and is running late again. Also he spilled his </a:t>
+              <a:t>morning. </a:t>
+            </a:r>
+            <a:r>
+              <a:rPr lang="en-US" b="1" dirty="0"/>
+              <a:t>Jack</a:t>
+            </a:r>
+            <a:r>
+              <a:rPr lang="en-US" dirty="0"/>
+              <a:t> was stuck in a traffic jam and is running late again. Also he spilled his </a:t>
             </a:r>
             <a:r>
               <a:rPr lang="en-US" dirty="0" smtClean="0"/>
@@ -8487,7 +8728,7 @@
               <a:t>In the elevator he checks the </a:t>
             </a:r>
             <a:r>
-              <a:rPr lang="en-US" dirty="0" err="1" smtClean="0"/>
+              <a:rPr lang="en-US" b="1" dirty="0" err="1" smtClean="0"/>
               <a:t>SmartOffice</a:t>
             </a:r>
             <a:r>
@@ -8500,17 +8741,15 @@
             </a:r>
           </a:p>
           <a:p>
-            <a:pPr algn="just"/>
             <a:endParaRPr lang="en-US" dirty="0"/>
           </a:p>
           <a:p>
-            <a:pPr algn="just"/>
             <a:r>
               <a:rPr lang="en-US" dirty="0"/>
               <a:t>Jill, who also uses the </a:t>
             </a:r>
             <a:r>
-              <a:rPr lang="en-US" dirty="0" err="1"/>
+              <a:rPr lang="en-US" b="1" dirty="0" err="1"/>
               <a:t>SmartOffice</a:t>
             </a:r>
             <a:r>
@@ -8538,20 +8777,42 @@
       </p:sp>
       <p:pic>
         <p:nvPicPr>
-          <p:cNvPr id="2" name="Picture 1"/>
+          <p:cNvPr id="6" name="Picture 1"/>
           <p:cNvPicPr>
             <a:picLocks noChangeAspect="1"/>
           </p:cNvPicPr>
           <p:nvPr/>
         </p:nvPicPr>
         <p:blipFill rotWithShape="1">
-          <a:blip r:embed="rId2"/>
+          <a:blip r:embed="rId3">
+            <a:extLst>
+              <a:ext uri="{BEBA8EAE-BF5A-486C-A8C5-ECC9F3942E4B}">
+                <a14:imgProps xmlns:a14="http://schemas.microsoft.com/office/drawing/2010/main">
+                  <a14:imgLayer r:embed="rId4">
+                    <a14:imgEffect>
+                      <a14:backgroundRemoval t="2586" b="90086" l="17512" r="83871">
+                        <a14:foregroundMark x1="79724" y1="26724" x2="79724" y2="26724"/>
+                        <a14:foregroundMark x1="22581" y1="26724" x2="22581" y2="26724"/>
+                        <a14:foregroundMark x1="23502" y1="22845" x2="23502" y2="22845"/>
+                        <a14:foregroundMark x1="49309" y1="6034" x2="49309" y2="6034"/>
+                        <a14:foregroundMark x1="55760" y1="3879" x2="55760" y2="3879"/>
+                        <a14:foregroundMark x1="83871" y1="22414" x2="83871" y2="22414"/>
+                        <a14:foregroundMark x1="47005" y1="86207" x2="47005" y2="86207"/>
+                        <a14:foregroundMark x1="46083" y1="90086" x2="46083" y2="90086"/>
+                        <a14:foregroundMark x1="55300" y1="88362" x2="55300" y2="88362"/>
+                      </a14:backgroundRemoval>
+                    </a14:imgEffect>
+                  </a14:imgLayer>
+                </a14:imgProps>
+              </a:ext>
+            </a:extLst>
+          </a:blip>
           <a:srcRect l="10452" r="9420" b="7446"/>
           <a:stretch/>
         </p:blipFill>
         <p:spPr>
           <a:xfrm>
-            <a:off x="6804248" y="1153217"/>
+            <a:off x="4321284" y="332656"/>
             <a:ext cx="2209989" cy="2779839"/>
           </a:xfrm>
           <a:prstGeom prst="rect">
@@ -8562,7 +8823,7 @@
     </p:spTree>
     <p:extLst>
       <p:ext uri="{BB962C8B-B14F-4D97-AF65-F5344CB8AC3E}">
-        <p14:creationId xmlns:p14="http://schemas.microsoft.com/office/powerpoint/2010/main" val="3422545989"/>
+        <p14:creationId xmlns:p14="http://schemas.microsoft.com/office/powerpoint/2010/main" val="3315217281"/>
       </p:ext>
     </p:extLst>
   </p:cSld>
